--- a/Night Street Driving Simulator.pptx
+++ b/Night Street Driving Simulator.pptx
@@ -6,11 +6,11 @@
   </p:sldMasterIdLst>
   <p:sldIdLst>
     <p:sldId id="256" r:id="rId2"/>
-    <p:sldId id="259" r:id="rId3"/>
-    <p:sldId id="258" r:id="rId4"/>
+    <p:sldId id="262" r:id="rId3"/>
+    <p:sldId id="259" r:id="rId4"/>
     <p:sldId id="261" r:id="rId5"/>
     <p:sldId id="257" r:id="rId6"/>
-    <p:sldId id="260" r:id="rId7"/>
+    <p:sldId id="263" r:id="rId7"/>
   </p:sldIdLst>
   <p:sldSz cx="12192000" cy="6858000"/>
   <p:notesSz cx="6858000" cy="9144000"/>
@@ -109,6 +109,11 @@
       </a:defRPr>
     </a:lvl9pPr>
   </p:defaultTextStyle>
+  <p:extLst>
+    <p:ext uri="{EFAFB233-063F-42B5-8137-9DF3F51BA10A}">
+      <p15:sldGuideLst xmlns:p15="http://schemas.microsoft.com/office/powerpoint/2012/main"/>
+    </p:ext>
+  </p:extLst>
 </p:presentation>
 </file>
 
@@ -3312,6 +3317,14 @@
 <file path=ppt/slides/slide1.xml><?xml version="1.0" encoding="utf-8"?>
 <p:sld xmlns:a="http://schemas.openxmlformats.org/drawingml/2006/main" xmlns:r="http://schemas.openxmlformats.org/officeDocument/2006/relationships" xmlns:p="http://schemas.openxmlformats.org/presentationml/2006/main">
   <p:cSld>
+    <p:bg>
+      <p:bgPr>
+        <a:solidFill>
+          <a:schemeClr val="bg1"/>
+        </a:solidFill>
+        <a:effectLst/>
+      </p:bgPr>
+    </p:bg>
     <p:spTree>
       <p:nvGrpSpPr>
         <p:cNvPr id="1" name=""/>
@@ -3326,6 +3339,203 @@
           <a:chExt cx="0" cy="0"/>
         </a:xfrm>
       </p:grpSpPr>
+      <p:sp useBgFill="1">
+        <p:nvSpPr>
+          <p:cNvPr id="23" name="Rectangle 14">
+            <a:extLst>
+              <a:ext uri="{FF2B5EF4-FFF2-40B4-BE49-F238E27FC236}">
+                <a16:creationId xmlns:a16="http://schemas.microsoft.com/office/drawing/2014/main" id="{755B289C-FFBC-4DA1-9048-5AB172C337D4}"/>
+              </a:ext>
+              <a:ext uri="{C183D7F6-B498-43B3-948B-1728B52AA6E4}">
+                <adec:decorative xmlns:adec="http://schemas.microsoft.com/office/drawing/2017/decorative" val="1"/>
+              </a:ext>
+            </a:extLst>
+          </p:cNvPr>
+          <p:cNvSpPr>
+            <a:spLocks noGrp="1" noRot="1" noChangeAspect="1" noMove="1" noResize="1" noEditPoints="1" noAdjustHandles="1" noChangeArrowheads="1" noChangeShapeType="1" noTextEdit="1"/>
+          </p:cNvSpPr>
+          <p:nvPr>
+            <p:extLst>
+              <p:ext uri="{386F3935-93C4-4BCD-93E2-E3B085C9AB24}">
+                <p16:designElem xmlns:p16="http://schemas.microsoft.com/office/powerpoint/2015/main" val="1"/>
+              </p:ext>
+            </p:extLst>
+          </p:nvPr>
+        </p:nvSpPr>
+        <p:spPr>
+          <a:xfrm>
+            <a:off x="1524" y="0"/>
+            <a:ext cx="12188952" cy="6858000"/>
+          </a:xfrm>
+          <a:prstGeom prst="rect">
+            <a:avLst/>
+          </a:prstGeom>
+          <a:ln>
+            <a:noFill/>
+          </a:ln>
+        </p:spPr>
+        <p:style>
+          <a:lnRef idx="2">
+            <a:schemeClr val="accent1">
+              <a:shade val="50000"/>
+            </a:schemeClr>
+          </a:lnRef>
+          <a:fillRef idx="1">
+            <a:schemeClr val="accent1"/>
+          </a:fillRef>
+          <a:effectRef idx="0">
+            <a:schemeClr val="accent1"/>
+          </a:effectRef>
+          <a:fontRef idx="minor">
+            <a:schemeClr val="lt1"/>
+          </a:fontRef>
+        </p:style>
+        <p:txBody>
+          <a:bodyPr rtlCol="0" anchor="ctr"/>
+          <a:lstStyle/>
+          <a:p>
+            <a:pPr algn="ctr"/>
+            <a:endParaRPr lang="en-US"/>
+          </a:p>
+        </p:txBody>
+      </p:sp>
+      <p:sp>
+        <p:nvSpPr>
+          <p:cNvPr id="24" name="Rectangle 16">
+            <a:extLst>
+              <a:ext uri="{FF2B5EF4-FFF2-40B4-BE49-F238E27FC236}">
+                <a16:creationId xmlns:a16="http://schemas.microsoft.com/office/drawing/2014/main" id="{CF7823A9-C4F6-4119-AB3F-79E976C03DFE}"/>
+              </a:ext>
+              <a:ext uri="{C183D7F6-B498-43B3-948B-1728B52AA6E4}">
+                <adec:decorative xmlns:adec="http://schemas.microsoft.com/office/drawing/2017/decorative" val="1"/>
+              </a:ext>
+            </a:extLst>
+          </p:cNvPr>
+          <p:cNvSpPr>
+            <a:spLocks noGrp="1" noRot="1" noChangeAspect="1" noMove="1" noResize="1" noEditPoints="1" noAdjustHandles="1" noChangeArrowheads="1" noChangeShapeType="1" noTextEdit="1"/>
+          </p:cNvSpPr>
+          <p:nvPr>
+            <p:extLst>
+              <p:ext uri="{386F3935-93C4-4BCD-93E2-E3B085C9AB24}">
+                <p16:designElem xmlns:p16="http://schemas.microsoft.com/office/powerpoint/2015/main" val="1"/>
+              </p:ext>
+            </p:extLst>
+          </p:nvPr>
+        </p:nvSpPr>
+        <p:spPr>
+          <a:xfrm>
+            <a:off x="0" y="914400"/>
+            <a:ext cx="12192000" cy="5029200"/>
+          </a:xfrm>
+          <a:prstGeom prst="rect">
+            <a:avLst/>
+          </a:prstGeom>
+          <a:pattFill prst="lgGrid">
+            <a:fgClr>
+              <a:srgbClr val="EBEEF2"/>
+            </a:fgClr>
+            <a:bgClr>
+              <a:schemeClr val="accent4">
+                <a:lumMod val="20000"/>
+                <a:lumOff val="80000"/>
+              </a:schemeClr>
+            </a:bgClr>
+          </a:pattFill>
+          <a:ln>
+            <a:noFill/>
+          </a:ln>
+        </p:spPr>
+        <p:style>
+          <a:lnRef idx="2">
+            <a:schemeClr val="accent1">
+              <a:shade val="50000"/>
+            </a:schemeClr>
+          </a:lnRef>
+          <a:fillRef idx="1">
+            <a:schemeClr val="accent1"/>
+          </a:fillRef>
+          <a:effectRef idx="0">
+            <a:schemeClr val="accent1"/>
+          </a:effectRef>
+          <a:fontRef idx="minor">
+            <a:schemeClr val="lt1"/>
+          </a:fontRef>
+        </p:style>
+        <p:txBody>
+          <a:bodyPr rtlCol="0" anchor="ctr"/>
+          <a:lstStyle/>
+          <a:p>
+            <a:pPr algn="ctr"/>
+            <a:endParaRPr lang="en-US" dirty="0"/>
+          </a:p>
+        </p:txBody>
+      </p:sp>
+      <p:sp>
+        <p:nvSpPr>
+          <p:cNvPr id="25" name="Rectangle 18">
+            <a:extLst>
+              <a:ext uri="{FF2B5EF4-FFF2-40B4-BE49-F238E27FC236}">
+                <a16:creationId xmlns:a16="http://schemas.microsoft.com/office/drawing/2014/main" id="{16FB5ED3-B527-45A8-988C-E896E0DEB9E9}"/>
+              </a:ext>
+              <a:ext uri="{C183D7F6-B498-43B3-948B-1728B52AA6E4}">
+                <adec:decorative xmlns:adec="http://schemas.microsoft.com/office/drawing/2017/decorative" val="1"/>
+              </a:ext>
+            </a:extLst>
+          </p:cNvPr>
+          <p:cNvSpPr>
+            <a:spLocks noGrp="1" noRot="1" noChangeAspect="1" noMove="1" noResize="1" noEditPoints="1" noAdjustHandles="1" noChangeArrowheads="1" noChangeShapeType="1" noTextEdit="1"/>
+          </p:cNvSpPr>
+          <p:nvPr>
+            <p:extLst>
+              <p:ext uri="{386F3935-93C4-4BCD-93E2-E3B085C9AB24}">
+                <p16:designElem xmlns:p16="http://schemas.microsoft.com/office/powerpoint/2015/main" val="1"/>
+              </p:ext>
+            </p:extLst>
+          </p:nvPr>
+        </p:nvSpPr>
+        <p:spPr>
+          <a:xfrm>
+            <a:off x="1" y="1324116"/>
+            <a:ext cx="11793184" cy="4209768"/>
+          </a:xfrm>
+          <a:prstGeom prst="rect">
+            <a:avLst/>
+          </a:prstGeom>
+          <a:solidFill>
+            <a:schemeClr val="accent4">
+              <a:lumMod val="40000"/>
+              <a:lumOff val="60000"/>
+            </a:schemeClr>
+          </a:solidFill>
+          <a:ln>
+            <a:noFill/>
+          </a:ln>
+        </p:spPr>
+        <p:style>
+          <a:lnRef idx="2">
+            <a:schemeClr val="accent1">
+              <a:shade val="50000"/>
+            </a:schemeClr>
+          </a:lnRef>
+          <a:fillRef idx="1">
+            <a:schemeClr val="accent1"/>
+          </a:fillRef>
+          <a:effectRef idx="0">
+            <a:schemeClr val="accent1"/>
+          </a:effectRef>
+          <a:fontRef idx="minor">
+            <a:schemeClr val="lt1"/>
+          </a:fontRef>
+        </p:style>
+        <p:txBody>
+          <a:bodyPr rtlCol="0" anchor="ctr"/>
+          <a:lstStyle/>
+          <a:p>
+            <a:pPr algn="ctr"/>
+            <a:endParaRPr lang="en-US" dirty="0"/>
+          </a:p>
+        </p:txBody>
+      </p:sp>
       <p:sp>
         <p:nvSpPr>
           <p:cNvPr id="2" name="제목 1">
@@ -3342,16 +3552,32 @@
             <p:ph type="ctrTitle"/>
           </p:nvPr>
         </p:nvSpPr>
-        <p:spPr/>
-        <p:txBody>
-          <a:bodyPr/>
-          <a:lstStyle/>
-          <a:p>
-            <a:r>
-              <a:rPr lang="en-US" altLang="ko-KR" dirty="0"/>
+        <p:spPr>
+          <a:xfrm>
+            <a:off x="713547" y="1767840"/>
+            <a:ext cx="9994392" cy="2721864"/>
+          </a:xfrm>
+        </p:spPr>
+        <p:txBody>
+          <a:bodyPr>
+            <a:normAutofit/>
+          </a:bodyPr>
+          <a:lstStyle/>
+          <a:p>
+            <a:pPr algn="l"/>
+            <a:r>
+              <a:rPr lang="en-US" altLang="ko-KR" sz="8800">
+                <a:solidFill>
+                  <a:srgbClr val="000000"/>
+                </a:solidFill>
+              </a:rPr>
               <a:t>Night Street Driving Simulator</a:t>
             </a:r>
-            <a:endParaRPr lang="ko-KR" altLang="en-US" dirty="0"/>
+            <a:endParaRPr lang="ko-KR" altLang="en-US" sz="8800">
+              <a:solidFill>
+                <a:srgbClr val="000000"/>
+              </a:solidFill>
+            </a:endParaRPr>
           </a:p>
         </p:txBody>
       </p:sp>
@@ -3371,28 +3597,57 @@
             <p:ph type="subTitle" idx="1"/>
           </p:nvPr>
         </p:nvSpPr>
-        <p:spPr/>
-        <p:txBody>
-          <a:bodyPr/>
-          <a:lstStyle/>
-          <a:p>
-            <a:r>
-              <a:rPr lang="en-US" altLang="ko-KR" dirty="0"/>
+        <p:spPr>
+          <a:xfrm>
+            <a:off x="713232" y="4489704"/>
+            <a:ext cx="10009632" cy="768096"/>
+          </a:xfrm>
+        </p:spPr>
+        <p:txBody>
+          <a:bodyPr anchor="ctr">
+            <a:normAutofit/>
+          </a:bodyPr>
+          <a:lstStyle/>
+          <a:p>
+            <a:pPr algn="l"/>
+            <a:r>
+              <a:rPr lang="en-US" altLang="ko-KR" sz="2000">
+                <a:solidFill>
+                  <a:srgbClr val="000000"/>
+                </a:solidFill>
+              </a:rPr>
               <a:t>2024184028 </a:t>
             </a:r>
             <a:r>
-              <a:rPr lang="ko-KR" altLang="en-US" dirty="0" err="1"/>
+              <a:rPr lang="ko-KR" altLang="en-US" sz="2000">
+                <a:solidFill>
+                  <a:srgbClr val="000000"/>
+                </a:solidFill>
+              </a:rPr>
               <a:t>정소원</a:t>
             </a:r>
-            <a:endParaRPr lang="en-US" altLang="ko-KR" dirty="0"/>
-          </a:p>
-          <a:p>
-            <a:r>
-              <a:rPr lang="en-US" altLang="ko-KR" dirty="0"/>
+            <a:endParaRPr lang="en-US" altLang="ko-KR" sz="2000">
+              <a:solidFill>
+                <a:srgbClr val="000000"/>
+              </a:solidFill>
+            </a:endParaRPr>
+          </a:p>
+          <a:p>
+            <a:pPr algn="l"/>
+            <a:r>
+              <a:rPr lang="en-US" altLang="ko-KR" sz="2000">
+                <a:solidFill>
+                  <a:srgbClr val="000000"/>
+                </a:solidFill>
+              </a:rPr>
               <a:t>2024184030 </a:t>
             </a:r>
             <a:r>
-              <a:rPr lang="ko-KR" altLang="en-US" dirty="0"/>
+              <a:rPr lang="ko-KR" altLang="en-US" sz="2000">
+                <a:solidFill>
+                  <a:srgbClr val="000000"/>
+                </a:solidFill>
+              </a:rPr>
               <a:t>정유진</a:t>
             </a:r>
           </a:p>
@@ -3414,6 +3669,750 @@
 <file path=ppt/slides/slide2.xml><?xml version="1.0" encoding="utf-8"?>
 <p:sld xmlns:a="http://schemas.openxmlformats.org/drawingml/2006/main" xmlns:r="http://schemas.openxmlformats.org/officeDocument/2006/relationships" xmlns:p="http://schemas.openxmlformats.org/presentationml/2006/main">
   <p:cSld>
+    <p:bg>
+      <p:bgPr>
+        <a:solidFill>
+          <a:schemeClr val="bg1"/>
+        </a:solidFill>
+        <a:effectLst/>
+      </p:bgPr>
+    </p:bg>
+    <p:spTree>
+      <p:nvGrpSpPr>
+        <p:cNvPr id="1" name=""/>
+        <p:cNvGrpSpPr/>
+        <p:nvPr/>
+      </p:nvGrpSpPr>
+      <p:grpSpPr>
+        <a:xfrm>
+          <a:off x="0" y="0"/>
+          <a:ext cx="0" cy="0"/>
+          <a:chOff x="0" y="0"/>
+          <a:chExt cx="0" cy="0"/>
+        </a:xfrm>
+      </p:grpSpPr>
+      <p:sp useBgFill="1">
+        <p:nvSpPr>
+          <p:cNvPr id="8" name="Rectangle 7">
+            <a:extLst>
+              <a:ext uri="{FF2B5EF4-FFF2-40B4-BE49-F238E27FC236}">
+                <a16:creationId xmlns:a16="http://schemas.microsoft.com/office/drawing/2014/main" id="{B6CDA21F-E7AF-4C75-8395-33F58D5B0E45}"/>
+              </a:ext>
+              <a:ext uri="{C183D7F6-B498-43B3-948B-1728B52AA6E4}">
+                <adec:decorative xmlns:adec="http://schemas.microsoft.com/office/drawing/2017/decorative" val="1"/>
+              </a:ext>
+            </a:extLst>
+          </p:cNvPr>
+          <p:cNvSpPr>
+            <a:spLocks noGrp="1" noRot="1" noChangeAspect="1" noMove="1" noResize="1" noEditPoints="1" noAdjustHandles="1" noChangeArrowheads="1" noChangeShapeType="1" noTextEdit="1"/>
+          </p:cNvSpPr>
+          <p:nvPr>
+            <p:extLst>
+              <p:ext uri="{386F3935-93C4-4BCD-93E2-E3B085C9AB24}">
+                <p16:designElem xmlns:p16="http://schemas.microsoft.com/office/powerpoint/2015/main" val="1"/>
+              </p:ext>
+            </p:extLst>
+          </p:nvPr>
+        </p:nvSpPr>
+        <p:spPr>
+          <a:xfrm>
+            <a:off x="0" y="0"/>
+            <a:ext cx="12191999" cy="6857365"/>
+          </a:xfrm>
+          <a:prstGeom prst="rect">
+            <a:avLst/>
+          </a:prstGeom>
+          <a:ln>
+            <a:noFill/>
+          </a:ln>
+        </p:spPr>
+        <p:style>
+          <a:lnRef idx="2">
+            <a:schemeClr val="accent1">
+              <a:shade val="50000"/>
+            </a:schemeClr>
+          </a:lnRef>
+          <a:fillRef idx="1">
+            <a:schemeClr val="accent1"/>
+          </a:fillRef>
+          <a:effectRef idx="0">
+            <a:schemeClr val="accent1"/>
+          </a:effectRef>
+          <a:fontRef idx="minor">
+            <a:schemeClr val="lt1"/>
+          </a:fontRef>
+        </p:style>
+        <p:txBody>
+          <a:bodyPr rtlCol="0" anchor="ctr"/>
+          <a:lstStyle/>
+          <a:p>
+            <a:pPr algn="ctr"/>
+            <a:endParaRPr lang="en-US"/>
+          </a:p>
+        </p:txBody>
+      </p:sp>
+      <p:grpSp>
+        <p:nvGrpSpPr>
+          <p:cNvPr id="10" name="Group 9">
+            <a:extLst>
+              <a:ext uri="{FF2B5EF4-FFF2-40B4-BE49-F238E27FC236}">
+                <a16:creationId xmlns:a16="http://schemas.microsoft.com/office/drawing/2014/main" id="{AE1C45F0-260A-458C-96ED-C1F6D2151219}"/>
+              </a:ext>
+              <a:ext uri="{C183D7F6-B498-43B3-948B-1728B52AA6E4}">
+                <adec:decorative xmlns:adec="http://schemas.microsoft.com/office/drawing/2017/decorative" val="1"/>
+              </a:ext>
+            </a:extLst>
+          </p:cNvPr>
+          <p:cNvGrpSpPr>
+            <a:grpSpLocks noGrp="1" noUngrp="1" noRot="1" noChangeAspect="1" noMove="1" noResize="1"/>
+          </p:cNvGrpSpPr>
+          <p:nvPr>
+            <p:extLst>
+              <p:ext uri="{386F3935-93C4-4BCD-93E2-E3B085C9AB24}">
+                <p16:designElem xmlns:p16="http://schemas.microsoft.com/office/powerpoint/2015/main" val="1"/>
+              </p:ext>
+            </p:extLst>
+          </p:nvPr>
+        </p:nvGrpSpPr>
+        <p:grpSpPr>
+          <a:xfrm>
+            <a:off x="4" y="1216597"/>
+            <a:ext cx="731521" cy="673460"/>
+            <a:chOff x="3940602" y="308034"/>
+            <a:chExt cx="2116791" cy="3428999"/>
+          </a:xfrm>
+          <a:solidFill>
+            <a:schemeClr val="accent4"/>
+          </a:solidFill>
+        </p:grpSpPr>
+        <p:sp>
+          <p:nvSpPr>
+            <p:cNvPr id="11" name="Rectangle 10">
+              <a:extLst>
+                <a:ext uri="{FF2B5EF4-FFF2-40B4-BE49-F238E27FC236}">
+                  <a16:creationId xmlns:a16="http://schemas.microsoft.com/office/drawing/2014/main" id="{A6604B49-AD5C-4590-B051-06C8222ECD99}"/>
+                </a:ext>
+                <a:ext uri="{C183D7F6-B498-43B3-948B-1728B52AA6E4}">
+                  <adec:decorative xmlns:adec="http://schemas.microsoft.com/office/drawing/2017/decorative" val="1"/>
+                </a:ext>
+              </a:extLst>
+            </p:cNvPr>
+            <p:cNvSpPr/>
+            <p:nvPr>
+              <p:extLst>
+                <p:ext uri="{386F3935-93C4-4BCD-93E2-E3B085C9AB24}">
+                  <p16:designElem xmlns:p16="http://schemas.microsoft.com/office/powerpoint/2015/main" val="1"/>
+                </p:ext>
+              </p:extLst>
+            </p:nvPr>
+          </p:nvSpPr>
+          <p:spPr>
+            <a:xfrm>
+              <a:off x="3940602" y="308034"/>
+              <a:ext cx="566743" cy="3428999"/>
+            </a:xfrm>
+            <a:prstGeom prst="rect">
+              <a:avLst/>
+            </a:prstGeom>
+            <a:grpFill/>
+            <a:ln>
+              <a:noFill/>
+            </a:ln>
+          </p:spPr>
+          <p:style>
+            <a:lnRef idx="2">
+              <a:schemeClr val="accent1">
+                <a:shade val="50000"/>
+              </a:schemeClr>
+            </a:lnRef>
+            <a:fillRef idx="1">
+              <a:schemeClr val="accent1"/>
+            </a:fillRef>
+            <a:effectRef idx="0">
+              <a:schemeClr val="accent1"/>
+            </a:effectRef>
+            <a:fontRef idx="minor">
+              <a:schemeClr val="lt1"/>
+            </a:fontRef>
+          </p:style>
+          <p:txBody>
+            <a:bodyPr rtlCol="0" anchor="ctr"/>
+            <a:lstStyle/>
+            <a:p>
+              <a:pPr algn="ctr"/>
+              <a:endParaRPr lang="en-US"/>
+            </a:p>
+          </p:txBody>
+        </p:sp>
+        <p:sp>
+          <p:nvSpPr>
+            <p:cNvPr id="12" name="Rectangle 11">
+              <a:extLst>
+                <a:ext uri="{FF2B5EF4-FFF2-40B4-BE49-F238E27FC236}">
+                  <a16:creationId xmlns:a16="http://schemas.microsoft.com/office/drawing/2014/main" id="{743ECCAF-29C5-4537-947C-7EA1292463DB}"/>
+                </a:ext>
+                <a:ext uri="{C183D7F6-B498-43B3-948B-1728B52AA6E4}">
+                  <adec:decorative xmlns:adec="http://schemas.microsoft.com/office/drawing/2017/decorative" val="1"/>
+                </a:ext>
+              </a:extLst>
+            </p:cNvPr>
+            <p:cNvSpPr/>
+            <p:nvPr>
+              <p:extLst>
+                <p:ext uri="{386F3935-93C4-4BCD-93E2-E3B085C9AB24}">
+                  <p16:designElem xmlns:p16="http://schemas.microsoft.com/office/powerpoint/2015/main" val="1"/>
+                </p:ext>
+              </p:extLst>
+            </p:nvPr>
+          </p:nvSpPr>
+          <p:spPr>
+            <a:xfrm>
+              <a:off x="4715626" y="308034"/>
+              <a:ext cx="566743" cy="3428999"/>
+            </a:xfrm>
+            <a:prstGeom prst="rect">
+              <a:avLst/>
+            </a:prstGeom>
+            <a:grpFill/>
+            <a:ln>
+              <a:noFill/>
+            </a:ln>
+          </p:spPr>
+          <p:style>
+            <a:lnRef idx="2">
+              <a:schemeClr val="accent1">
+                <a:shade val="50000"/>
+              </a:schemeClr>
+            </a:lnRef>
+            <a:fillRef idx="1">
+              <a:schemeClr val="accent1"/>
+            </a:fillRef>
+            <a:effectRef idx="0">
+              <a:schemeClr val="accent1"/>
+            </a:effectRef>
+            <a:fontRef idx="minor">
+              <a:schemeClr val="lt1"/>
+            </a:fontRef>
+          </p:style>
+          <p:txBody>
+            <a:bodyPr rtlCol="0" anchor="ctr"/>
+            <a:lstStyle/>
+            <a:p>
+              <a:pPr algn="ctr"/>
+              <a:endParaRPr lang="en-US"/>
+            </a:p>
+          </p:txBody>
+        </p:sp>
+        <p:sp>
+          <p:nvSpPr>
+            <p:cNvPr id="13" name="Rectangle 12">
+              <a:extLst>
+                <a:ext uri="{FF2B5EF4-FFF2-40B4-BE49-F238E27FC236}">
+                  <a16:creationId xmlns:a16="http://schemas.microsoft.com/office/drawing/2014/main" id="{ED49787B-8DE6-4467-AD0A-8DECC6E0C2D6}"/>
+                </a:ext>
+                <a:ext uri="{C183D7F6-B498-43B3-948B-1728B52AA6E4}">
+                  <adec:decorative xmlns:adec="http://schemas.microsoft.com/office/drawing/2017/decorative" val="1"/>
+                </a:ext>
+              </a:extLst>
+            </p:cNvPr>
+            <p:cNvSpPr/>
+            <p:nvPr>
+              <p:extLst>
+                <p:ext uri="{386F3935-93C4-4BCD-93E2-E3B085C9AB24}">
+                  <p16:designElem xmlns:p16="http://schemas.microsoft.com/office/powerpoint/2015/main" val="1"/>
+                </p:ext>
+              </p:extLst>
+            </p:nvPr>
+          </p:nvSpPr>
+          <p:spPr>
+            <a:xfrm>
+              <a:off x="5490650" y="308034"/>
+              <a:ext cx="566743" cy="3428999"/>
+            </a:xfrm>
+            <a:prstGeom prst="rect">
+              <a:avLst/>
+            </a:prstGeom>
+            <a:grpFill/>
+            <a:ln>
+              <a:noFill/>
+            </a:ln>
+          </p:spPr>
+          <p:style>
+            <a:lnRef idx="2">
+              <a:schemeClr val="accent1">
+                <a:shade val="50000"/>
+              </a:schemeClr>
+            </a:lnRef>
+            <a:fillRef idx="1">
+              <a:schemeClr val="accent1"/>
+            </a:fillRef>
+            <a:effectRef idx="0">
+              <a:schemeClr val="accent1"/>
+            </a:effectRef>
+            <a:fontRef idx="minor">
+              <a:schemeClr val="lt1"/>
+            </a:fontRef>
+          </p:style>
+          <p:txBody>
+            <a:bodyPr rtlCol="0" anchor="ctr"/>
+            <a:lstStyle/>
+            <a:p>
+              <a:pPr algn="ctr"/>
+              <a:endParaRPr lang="en-US"/>
+            </a:p>
+          </p:txBody>
+        </p:sp>
+      </p:grpSp>
+      <p:sp>
+        <p:nvSpPr>
+          <p:cNvPr id="15" name="Rectangle 14">
+            <a:extLst>
+              <a:ext uri="{FF2B5EF4-FFF2-40B4-BE49-F238E27FC236}">
+                <a16:creationId xmlns:a16="http://schemas.microsoft.com/office/drawing/2014/main" id="{D5B0017B-2ECA-49AF-B397-DC140825DF8D}"/>
+              </a:ext>
+              <a:ext uri="{C183D7F6-B498-43B3-948B-1728B52AA6E4}">
+                <adec:decorative xmlns:adec="http://schemas.microsoft.com/office/drawing/2017/decorative" val="1"/>
+              </a:ext>
+            </a:extLst>
+          </p:cNvPr>
+          <p:cNvSpPr>
+            <a:spLocks noGrp="1" noRot="1" noChangeAspect="1" noMove="1" noResize="1" noEditPoints="1" noAdjustHandles="1" noChangeArrowheads="1" noChangeShapeType="1" noTextEdit="1"/>
+          </p:cNvSpPr>
+          <p:nvPr>
+            <p:extLst>
+              <p:ext uri="{386F3935-93C4-4BCD-93E2-E3B085C9AB24}">
+                <p16:designElem xmlns:p16="http://schemas.microsoft.com/office/powerpoint/2015/main" val="1"/>
+              </p:ext>
+            </p:extLst>
+          </p:nvPr>
+        </p:nvSpPr>
+        <p:spPr>
+          <a:xfrm>
+            <a:off x="640079" y="613954"/>
+            <a:ext cx="10907487" cy="1894116"/>
+          </a:xfrm>
+          <a:prstGeom prst="rect">
+            <a:avLst/>
+          </a:prstGeom>
+          <a:solidFill>
+            <a:schemeClr val="bg1"/>
+          </a:solidFill>
+          <a:ln>
+            <a:noFill/>
+          </a:ln>
+          <a:effectLst>
+            <a:outerShdw blurRad="139700" dist="127000" dir="5400000" algn="t" rotWithShape="0">
+              <a:prstClr val="black">
+                <a:alpha val="15000"/>
+              </a:prstClr>
+            </a:outerShdw>
+          </a:effectLst>
+        </p:spPr>
+        <p:style>
+          <a:lnRef idx="2">
+            <a:schemeClr val="accent1">
+              <a:shade val="50000"/>
+            </a:schemeClr>
+          </a:lnRef>
+          <a:fillRef idx="1">
+            <a:schemeClr val="accent1"/>
+          </a:fillRef>
+          <a:effectRef idx="0">
+            <a:schemeClr val="accent1"/>
+          </a:effectRef>
+          <a:fontRef idx="minor">
+            <a:schemeClr val="lt1"/>
+          </a:fontRef>
+        </p:style>
+        <p:txBody>
+          <a:bodyPr rtlCol="0" anchor="ctr"/>
+          <a:lstStyle/>
+          <a:p>
+            <a:pPr algn="ctr"/>
+            <a:endParaRPr lang="en-US"/>
+          </a:p>
+        </p:txBody>
+      </p:sp>
+      <p:cxnSp>
+        <p:nvCxnSpPr>
+          <p:cNvPr id="17" name="Straight Connector 16">
+            <a:extLst>
+              <a:ext uri="{FF2B5EF4-FFF2-40B4-BE49-F238E27FC236}">
+                <a16:creationId xmlns:a16="http://schemas.microsoft.com/office/drawing/2014/main" id="{6CF1BAF6-AD41-4082-B212-8A1F9A2E8779}"/>
+              </a:ext>
+              <a:ext uri="{C183D7F6-B498-43B3-948B-1728B52AA6E4}">
+                <adec:decorative xmlns:adec="http://schemas.microsoft.com/office/drawing/2017/decorative" val="1"/>
+              </a:ext>
+            </a:extLst>
+          </p:cNvPr>
+          <p:cNvCxnSpPr>
+            <a:cxnSpLocks noGrp="1" noRot="1" noChangeAspect="1" noMove="1" noResize="1" noEditPoints="1" noAdjustHandles="1" noChangeArrowheads="1" noChangeShapeType="1"/>
+          </p:cNvCxnSpPr>
+          <p:nvPr>
+            <p:extLst>
+              <p:ext uri="{386F3935-93C4-4BCD-93E2-E3B085C9AB24}">
+                <p16:designElem xmlns:p16="http://schemas.microsoft.com/office/powerpoint/2015/main" val="1"/>
+              </p:ext>
+            </p:extLst>
+          </p:nvPr>
+        </p:nvCxnSpPr>
+        <p:spPr>
+          <a:xfrm flipH="1">
+            <a:off x="838200" y="6485313"/>
+            <a:ext cx="10515600" cy="0"/>
+          </a:xfrm>
+          <a:prstGeom prst="line">
+            <a:avLst/>
+          </a:prstGeom>
+          <a:ln w="57150">
+            <a:solidFill>
+              <a:schemeClr val="accent4"/>
+            </a:solidFill>
+          </a:ln>
+        </p:spPr>
+        <p:style>
+          <a:lnRef idx="1">
+            <a:schemeClr val="accent1"/>
+          </a:lnRef>
+          <a:fillRef idx="0">
+            <a:schemeClr val="accent1"/>
+          </a:fillRef>
+          <a:effectRef idx="0">
+            <a:schemeClr val="accent1"/>
+          </a:effectRef>
+          <a:fontRef idx="minor">
+            <a:schemeClr val="tx1"/>
+          </a:fontRef>
+        </p:style>
+      </p:cxnSp>
+      <p:sp>
+        <p:nvSpPr>
+          <p:cNvPr id="4" name="제목 7">
+            <a:extLst>
+              <a:ext uri="{FF2B5EF4-FFF2-40B4-BE49-F238E27FC236}">
+                <a16:creationId xmlns:a16="http://schemas.microsoft.com/office/drawing/2014/main" id="{370E17C5-10F4-C7D7-E1DF-165E44169F76}"/>
+              </a:ext>
+            </a:extLst>
+          </p:cNvPr>
+          <p:cNvSpPr txBox="1">
+            <a:spLocks/>
+          </p:cNvSpPr>
+          <p:nvPr/>
+        </p:nvSpPr>
+        <p:spPr>
+          <a:xfrm>
+            <a:off x="1031966" y="1026007"/>
+            <a:ext cx="10515600" cy="1325563"/>
+          </a:xfrm>
+          <a:prstGeom prst="rect">
+            <a:avLst/>
+          </a:prstGeom>
+        </p:spPr>
+        <p:txBody>
+          <a:bodyPr vert="horz" lIns="91440" tIns="45720" rIns="91440" bIns="45720" rtlCol="0" anchor="ctr">
+            <a:normAutofit/>
+          </a:bodyPr>
+          <a:lstStyle>
+            <a:lvl1pPr algn="l" defTabSz="914400" rtl="0" eaLnBrk="1" latinLnBrk="1" hangingPunct="1">
+              <a:lnSpc>
+                <a:spcPct val="90000"/>
+              </a:lnSpc>
+              <a:spcBef>
+                <a:spcPct val="0"/>
+              </a:spcBef>
+              <a:buNone/>
+              <a:defRPr sz="4400" kern="1200">
+                <a:solidFill>
+                  <a:schemeClr val="tx1"/>
+                </a:solidFill>
+                <a:latin typeface="+mj-lt"/>
+                <a:ea typeface="+mj-ea"/>
+                <a:cs typeface="+mj-cs"/>
+              </a:defRPr>
+            </a:lvl1pPr>
+          </a:lstStyle>
+          <a:p>
+            <a:r>
+              <a:rPr lang="ko-KR" altLang="en-US" b="1" dirty="0"/>
+              <a:t>동기가 된 게임</a:t>
+            </a:r>
+          </a:p>
+        </p:txBody>
+      </p:sp>
+      <p:sp>
+        <p:nvSpPr>
+          <p:cNvPr id="5" name="내용 개체 틀 8">
+            <a:extLst>
+              <a:ext uri="{FF2B5EF4-FFF2-40B4-BE49-F238E27FC236}">
+                <a16:creationId xmlns:a16="http://schemas.microsoft.com/office/drawing/2014/main" id="{B8AC35F1-A05F-5598-503C-C347E00A4E21}"/>
+              </a:ext>
+            </a:extLst>
+          </p:cNvPr>
+          <p:cNvSpPr txBox="1">
+            <a:spLocks/>
+          </p:cNvSpPr>
+          <p:nvPr/>
+        </p:nvSpPr>
+        <p:spPr>
+          <a:xfrm>
+            <a:off x="838200" y="2569166"/>
+            <a:ext cx="10515600" cy="4351338"/>
+          </a:xfrm>
+          <a:prstGeom prst="rect">
+            <a:avLst/>
+          </a:prstGeom>
+        </p:spPr>
+        <p:txBody>
+          <a:bodyPr vert="horz" lIns="91440" tIns="45720" rIns="91440" bIns="45720" rtlCol="0">
+            <a:normAutofit/>
+          </a:bodyPr>
+          <a:lstStyle>
+            <a:lvl1pPr marL="228600" indent="-228600" algn="l" defTabSz="914400" rtl="0" eaLnBrk="1" latinLnBrk="1" hangingPunct="1">
+              <a:lnSpc>
+                <a:spcPct val="90000"/>
+              </a:lnSpc>
+              <a:spcBef>
+                <a:spcPts val="1000"/>
+              </a:spcBef>
+              <a:buFont typeface="Arial" panose="020B0604020202020204" pitchFamily="34" charset="0"/>
+              <a:buChar char="•"/>
+              <a:defRPr sz="2800" kern="1200">
+                <a:solidFill>
+                  <a:schemeClr val="tx1"/>
+                </a:solidFill>
+                <a:latin typeface="+mn-lt"/>
+                <a:ea typeface="+mn-ea"/>
+                <a:cs typeface="+mn-cs"/>
+              </a:defRPr>
+            </a:lvl1pPr>
+            <a:lvl2pPr marL="685800" indent="-228600" algn="l" defTabSz="914400" rtl="0" eaLnBrk="1" latinLnBrk="1" hangingPunct="1">
+              <a:lnSpc>
+                <a:spcPct val="90000"/>
+              </a:lnSpc>
+              <a:spcBef>
+                <a:spcPts val="500"/>
+              </a:spcBef>
+              <a:buFont typeface="Arial" panose="020B0604020202020204" pitchFamily="34" charset="0"/>
+              <a:buChar char="•"/>
+              <a:defRPr sz="2400" kern="1200">
+                <a:solidFill>
+                  <a:schemeClr val="tx1"/>
+                </a:solidFill>
+                <a:latin typeface="+mn-lt"/>
+                <a:ea typeface="+mn-ea"/>
+                <a:cs typeface="+mn-cs"/>
+              </a:defRPr>
+            </a:lvl2pPr>
+            <a:lvl3pPr marL="1143000" indent="-228600" algn="l" defTabSz="914400" rtl="0" eaLnBrk="1" latinLnBrk="1" hangingPunct="1">
+              <a:lnSpc>
+                <a:spcPct val="90000"/>
+              </a:lnSpc>
+              <a:spcBef>
+                <a:spcPts val="500"/>
+              </a:spcBef>
+              <a:buFont typeface="Arial" panose="020B0604020202020204" pitchFamily="34" charset="0"/>
+              <a:buChar char="•"/>
+              <a:defRPr sz="2000" kern="1200">
+                <a:solidFill>
+                  <a:schemeClr val="tx1"/>
+                </a:solidFill>
+                <a:latin typeface="+mn-lt"/>
+                <a:ea typeface="+mn-ea"/>
+                <a:cs typeface="+mn-cs"/>
+              </a:defRPr>
+            </a:lvl3pPr>
+            <a:lvl4pPr marL="1600200" indent="-228600" algn="l" defTabSz="914400" rtl="0" eaLnBrk="1" latinLnBrk="1" hangingPunct="1">
+              <a:lnSpc>
+                <a:spcPct val="90000"/>
+              </a:lnSpc>
+              <a:spcBef>
+                <a:spcPts val="500"/>
+              </a:spcBef>
+              <a:buFont typeface="Arial" panose="020B0604020202020204" pitchFamily="34" charset="0"/>
+              <a:buChar char="•"/>
+              <a:defRPr sz="1800" kern="1200">
+                <a:solidFill>
+                  <a:schemeClr val="tx1"/>
+                </a:solidFill>
+                <a:latin typeface="+mn-lt"/>
+                <a:ea typeface="+mn-ea"/>
+                <a:cs typeface="+mn-cs"/>
+              </a:defRPr>
+            </a:lvl4pPr>
+            <a:lvl5pPr marL="2057400" indent="-228600" algn="l" defTabSz="914400" rtl="0" eaLnBrk="1" latinLnBrk="1" hangingPunct="1">
+              <a:lnSpc>
+                <a:spcPct val="90000"/>
+              </a:lnSpc>
+              <a:spcBef>
+                <a:spcPts val="500"/>
+              </a:spcBef>
+              <a:buFont typeface="Arial" panose="020B0604020202020204" pitchFamily="34" charset="0"/>
+              <a:buChar char="•"/>
+              <a:defRPr sz="1800" kern="1200">
+                <a:solidFill>
+                  <a:schemeClr val="tx1"/>
+                </a:solidFill>
+                <a:latin typeface="+mn-lt"/>
+                <a:ea typeface="+mn-ea"/>
+                <a:cs typeface="+mn-cs"/>
+              </a:defRPr>
+            </a:lvl5pPr>
+            <a:lvl6pPr marL="2514600" indent="-228600" algn="l" defTabSz="914400" rtl="0" eaLnBrk="1" latinLnBrk="1" hangingPunct="1">
+              <a:lnSpc>
+                <a:spcPct val="90000"/>
+              </a:lnSpc>
+              <a:spcBef>
+                <a:spcPts val="500"/>
+              </a:spcBef>
+              <a:buFont typeface="Arial" panose="020B0604020202020204" pitchFamily="34" charset="0"/>
+              <a:buChar char="•"/>
+              <a:defRPr sz="1800" kern="1200">
+                <a:solidFill>
+                  <a:schemeClr val="tx1"/>
+                </a:solidFill>
+                <a:latin typeface="+mn-lt"/>
+                <a:ea typeface="+mn-ea"/>
+                <a:cs typeface="+mn-cs"/>
+              </a:defRPr>
+            </a:lvl6pPr>
+            <a:lvl7pPr marL="2971800" indent="-228600" algn="l" defTabSz="914400" rtl="0" eaLnBrk="1" latinLnBrk="1" hangingPunct="1">
+              <a:lnSpc>
+                <a:spcPct val="90000"/>
+              </a:lnSpc>
+              <a:spcBef>
+                <a:spcPts val="500"/>
+              </a:spcBef>
+              <a:buFont typeface="Arial" panose="020B0604020202020204" pitchFamily="34" charset="0"/>
+              <a:buChar char="•"/>
+              <a:defRPr sz="1800" kern="1200">
+                <a:solidFill>
+                  <a:schemeClr val="tx1"/>
+                </a:solidFill>
+                <a:latin typeface="+mn-lt"/>
+                <a:ea typeface="+mn-ea"/>
+                <a:cs typeface="+mn-cs"/>
+              </a:defRPr>
+            </a:lvl7pPr>
+            <a:lvl8pPr marL="3429000" indent="-228600" algn="l" defTabSz="914400" rtl="0" eaLnBrk="1" latinLnBrk="1" hangingPunct="1">
+              <a:lnSpc>
+                <a:spcPct val="90000"/>
+              </a:lnSpc>
+              <a:spcBef>
+                <a:spcPts val="500"/>
+              </a:spcBef>
+              <a:buFont typeface="Arial" panose="020B0604020202020204" pitchFamily="34" charset="0"/>
+              <a:buChar char="•"/>
+              <a:defRPr sz="1800" kern="1200">
+                <a:solidFill>
+                  <a:schemeClr val="tx1"/>
+                </a:solidFill>
+                <a:latin typeface="+mn-lt"/>
+                <a:ea typeface="+mn-ea"/>
+                <a:cs typeface="+mn-cs"/>
+              </a:defRPr>
+            </a:lvl8pPr>
+            <a:lvl9pPr marL="3886200" indent="-228600" algn="l" defTabSz="914400" rtl="0" eaLnBrk="1" latinLnBrk="1" hangingPunct="1">
+              <a:lnSpc>
+                <a:spcPct val="90000"/>
+              </a:lnSpc>
+              <a:spcBef>
+                <a:spcPts val="500"/>
+              </a:spcBef>
+              <a:buFont typeface="Arial" panose="020B0604020202020204" pitchFamily="34" charset="0"/>
+              <a:buChar char="•"/>
+              <a:defRPr sz="1800" kern="1200">
+                <a:solidFill>
+                  <a:schemeClr val="tx1"/>
+                </a:solidFill>
+                <a:latin typeface="+mn-lt"/>
+                <a:ea typeface="+mn-ea"/>
+                <a:cs typeface="+mn-cs"/>
+              </a:defRPr>
+            </a:lvl9pPr>
+          </a:lstStyle>
+          <a:p>
+            <a:r>
+              <a:rPr lang="en-US" altLang="ko-KR" dirty="0"/>
+              <a:t>3D </a:t>
+            </a:r>
+            <a:r>
+              <a:rPr lang="ko-KR" altLang="en-US" dirty="0"/>
+              <a:t>운전교실 등 다양한 운전 시뮬레이션 게임</a:t>
+            </a:r>
+          </a:p>
+        </p:txBody>
+      </p:sp>
+      <p:pic>
+        <p:nvPicPr>
+          <p:cNvPr id="6" name="Picture 6" descr="3D운전교실 - Google Play 앱">
+            <a:extLst>
+              <a:ext uri="{FF2B5EF4-FFF2-40B4-BE49-F238E27FC236}">
+                <a16:creationId xmlns:a16="http://schemas.microsoft.com/office/drawing/2014/main" id="{6C3783C3-B3B8-5B20-F8A7-FAF75B24B359}"/>
+              </a:ext>
+            </a:extLst>
+          </p:cNvPr>
+          <p:cNvPicPr>
+            <a:picLocks noChangeAspect="1" noChangeArrowheads="1"/>
+          </p:cNvPicPr>
+          <p:nvPr/>
+        </p:nvPicPr>
+        <p:blipFill>
+          <a:blip r:embed="rId2">
+            <a:extLst>
+              <a:ext uri="{28A0092B-C50C-407E-A947-70E740481C1C}">
+                <a14:useLocalDpi xmlns:a14="http://schemas.microsoft.com/office/drawing/2010/main" val="0"/>
+              </a:ext>
+            </a:extLst>
+          </a:blip>
+          <a:srcRect/>
+          <a:stretch>
+            <a:fillRect/>
+          </a:stretch>
+        </p:blipFill>
+        <p:spPr bwMode="auto">
+          <a:xfrm>
+            <a:off x="3072893" y="3024970"/>
+            <a:ext cx="6046214" cy="3397204"/>
+          </a:xfrm>
+          <a:prstGeom prst="rect">
+            <a:avLst/>
+          </a:prstGeom>
+          <a:noFill/>
+          <a:extLst>
+            <a:ext uri="{909E8E84-426E-40DD-AFC4-6F175D3DCCD1}">
+              <a14:hiddenFill xmlns:a14="http://schemas.microsoft.com/office/drawing/2010/main">
+                <a:solidFill>
+                  <a:srgbClr val="FFFFFF"/>
+                </a:solidFill>
+              </a14:hiddenFill>
+            </a:ext>
+          </a:extLst>
+        </p:spPr>
+      </p:pic>
+    </p:spTree>
+    <p:extLst>
+      <p:ext uri="{BB962C8B-B14F-4D97-AF65-F5344CB8AC3E}">
+        <p14:creationId xmlns:p14="http://schemas.microsoft.com/office/powerpoint/2010/main" val="2282233655"/>
+      </p:ext>
+    </p:extLst>
+  </p:cSld>
+  <p:clrMapOvr>
+    <a:masterClrMapping/>
+  </p:clrMapOvr>
+</p:sld>
+</file>
+
+<file path=ppt/slides/slide3.xml><?xml version="1.0" encoding="utf-8"?>
+<p:sld xmlns:a="http://schemas.openxmlformats.org/drawingml/2006/main" xmlns:r="http://schemas.openxmlformats.org/officeDocument/2006/relationships" xmlns:p="http://schemas.openxmlformats.org/presentationml/2006/main">
+  <p:cSld>
+    <p:bg>
+      <p:bgPr>
+        <a:solidFill>
+          <a:schemeClr val="bg1"/>
+        </a:solidFill>
+        <a:effectLst/>
+      </p:bgPr>
+    </p:bg>
     <p:spTree>
       <p:nvGrpSpPr>
         <p:cNvPr id="1" name="">
@@ -3434,6 +4433,348 @@
           <a:chExt cx="0" cy="0"/>
         </a:xfrm>
       </p:grpSpPr>
+      <p:sp useBgFill="1">
+        <p:nvSpPr>
+          <p:cNvPr id="14" name="Rectangle 13">
+            <a:extLst>
+              <a:ext uri="{FF2B5EF4-FFF2-40B4-BE49-F238E27FC236}">
+                <a16:creationId xmlns:a16="http://schemas.microsoft.com/office/drawing/2014/main" id="{B6CDA21F-E7AF-4C75-8395-33F58D5B0E45}"/>
+              </a:ext>
+              <a:ext uri="{C183D7F6-B498-43B3-948B-1728B52AA6E4}">
+                <adec:decorative xmlns:adec="http://schemas.microsoft.com/office/drawing/2017/decorative" val="1"/>
+              </a:ext>
+            </a:extLst>
+          </p:cNvPr>
+          <p:cNvSpPr>
+            <a:spLocks noGrp="1" noRot="1" noChangeAspect="1" noMove="1" noResize="1" noEditPoints="1" noAdjustHandles="1" noChangeArrowheads="1" noChangeShapeType="1" noTextEdit="1"/>
+          </p:cNvSpPr>
+          <p:nvPr>
+            <p:extLst>
+              <p:ext uri="{386F3935-93C4-4BCD-93E2-E3B085C9AB24}">
+                <p16:designElem xmlns:p16="http://schemas.microsoft.com/office/powerpoint/2015/main" val="1"/>
+              </p:ext>
+            </p:extLst>
+          </p:nvPr>
+        </p:nvSpPr>
+        <p:spPr>
+          <a:xfrm>
+            <a:off x="0" y="0"/>
+            <a:ext cx="12191999" cy="6857365"/>
+          </a:xfrm>
+          <a:prstGeom prst="rect">
+            <a:avLst/>
+          </a:prstGeom>
+          <a:ln>
+            <a:noFill/>
+          </a:ln>
+        </p:spPr>
+        <p:style>
+          <a:lnRef idx="2">
+            <a:schemeClr val="accent1">
+              <a:shade val="50000"/>
+            </a:schemeClr>
+          </a:lnRef>
+          <a:fillRef idx="1">
+            <a:schemeClr val="accent1"/>
+          </a:fillRef>
+          <a:effectRef idx="0">
+            <a:schemeClr val="accent1"/>
+          </a:effectRef>
+          <a:fontRef idx="minor">
+            <a:schemeClr val="lt1"/>
+          </a:fontRef>
+        </p:style>
+        <p:txBody>
+          <a:bodyPr rtlCol="0" anchor="ctr"/>
+          <a:lstStyle/>
+          <a:p>
+            <a:pPr algn="ctr"/>
+            <a:endParaRPr lang="en-US"/>
+          </a:p>
+        </p:txBody>
+      </p:sp>
+      <p:grpSp>
+        <p:nvGrpSpPr>
+          <p:cNvPr id="16" name="Group 15">
+            <a:extLst>
+              <a:ext uri="{FF2B5EF4-FFF2-40B4-BE49-F238E27FC236}">
+                <a16:creationId xmlns:a16="http://schemas.microsoft.com/office/drawing/2014/main" id="{AE1C45F0-260A-458C-96ED-C1F6D2151219}"/>
+              </a:ext>
+              <a:ext uri="{C183D7F6-B498-43B3-948B-1728B52AA6E4}">
+                <adec:decorative xmlns:adec="http://schemas.microsoft.com/office/drawing/2017/decorative" val="1"/>
+              </a:ext>
+            </a:extLst>
+          </p:cNvPr>
+          <p:cNvGrpSpPr>
+            <a:grpSpLocks noGrp="1" noUngrp="1" noRot="1" noChangeAspect="1" noMove="1" noResize="1"/>
+          </p:cNvGrpSpPr>
+          <p:nvPr>
+            <p:extLst>
+              <p:ext uri="{386F3935-93C4-4BCD-93E2-E3B085C9AB24}">
+                <p16:designElem xmlns:p16="http://schemas.microsoft.com/office/powerpoint/2015/main" val="1"/>
+              </p:ext>
+            </p:extLst>
+          </p:nvPr>
+        </p:nvGrpSpPr>
+        <p:grpSpPr>
+          <a:xfrm>
+            <a:off x="4" y="1216597"/>
+            <a:ext cx="731521" cy="673460"/>
+            <a:chOff x="3940602" y="308034"/>
+            <a:chExt cx="2116791" cy="3428999"/>
+          </a:xfrm>
+          <a:solidFill>
+            <a:schemeClr val="accent4"/>
+          </a:solidFill>
+        </p:grpSpPr>
+        <p:sp>
+          <p:nvSpPr>
+            <p:cNvPr id="17" name="Rectangle 16">
+              <a:extLst>
+                <a:ext uri="{FF2B5EF4-FFF2-40B4-BE49-F238E27FC236}">
+                  <a16:creationId xmlns:a16="http://schemas.microsoft.com/office/drawing/2014/main" id="{A6604B49-AD5C-4590-B051-06C8222ECD99}"/>
+                </a:ext>
+                <a:ext uri="{C183D7F6-B498-43B3-948B-1728B52AA6E4}">
+                  <adec:decorative xmlns:adec="http://schemas.microsoft.com/office/drawing/2017/decorative" val="1"/>
+                </a:ext>
+              </a:extLst>
+            </p:cNvPr>
+            <p:cNvSpPr/>
+            <p:nvPr>
+              <p:extLst>
+                <p:ext uri="{386F3935-93C4-4BCD-93E2-E3B085C9AB24}">
+                  <p16:designElem xmlns:p16="http://schemas.microsoft.com/office/powerpoint/2015/main" val="1"/>
+                </p:ext>
+              </p:extLst>
+            </p:nvPr>
+          </p:nvSpPr>
+          <p:spPr>
+            <a:xfrm>
+              <a:off x="3940602" y="308034"/>
+              <a:ext cx="566743" cy="3428999"/>
+            </a:xfrm>
+            <a:prstGeom prst="rect">
+              <a:avLst/>
+            </a:prstGeom>
+            <a:grpFill/>
+            <a:ln>
+              <a:noFill/>
+            </a:ln>
+          </p:spPr>
+          <p:style>
+            <a:lnRef idx="2">
+              <a:schemeClr val="accent1">
+                <a:shade val="50000"/>
+              </a:schemeClr>
+            </a:lnRef>
+            <a:fillRef idx="1">
+              <a:schemeClr val="accent1"/>
+            </a:fillRef>
+            <a:effectRef idx="0">
+              <a:schemeClr val="accent1"/>
+            </a:effectRef>
+            <a:fontRef idx="minor">
+              <a:schemeClr val="lt1"/>
+            </a:fontRef>
+          </p:style>
+          <p:txBody>
+            <a:bodyPr rtlCol="0" anchor="ctr"/>
+            <a:lstStyle/>
+            <a:p>
+              <a:pPr algn="ctr"/>
+              <a:endParaRPr lang="en-US"/>
+            </a:p>
+          </p:txBody>
+        </p:sp>
+        <p:sp>
+          <p:nvSpPr>
+            <p:cNvPr id="18" name="Rectangle 17">
+              <a:extLst>
+                <a:ext uri="{FF2B5EF4-FFF2-40B4-BE49-F238E27FC236}">
+                  <a16:creationId xmlns:a16="http://schemas.microsoft.com/office/drawing/2014/main" id="{743ECCAF-29C5-4537-947C-7EA1292463DB}"/>
+                </a:ext>
+                <a:ext uri="{C183D7F6-B498-43B3-948B-1728B52AA6E4}">
+                  <adec:decorative xmlns:adec="http://schemas.microsoft.com/office/drawing/2017/decorative" val="1"/>
+                </a:ext>
+              </a:extLst>
+            </p:cNvPr>
+            <p:cNvSpPr/>
+            <p:nvPr>
+              <p:extLst>
+                <p:ext uri="{386F3935-93C4-4BCD-93E2-E3B085C9AB24}">
+                  <p16:designElem xmlns:p16="http://schemas.microsoft.com/office/powerpoint/2015/main" val="1"/>
+                </p:ext>
+              </p:extLst>
+            </p:nvPr>
+          </p:nvSpPr>
+          <p:spPr>
+            <a:xfrm>
+              <a:off x="4715626" y="308034"/>
+              <a:ext cx="566743" cy="3428999"/>
+            </a:xfrm>
+            <a:prstGeom prst="rect">
+              <a:avLst/>
+            </a:prstGeom>
+            <a:grpFill/>
+            <a:ln>
+              <a:noFill/>
+            </a:ln>
+          </p:spPr>
+          <p:style>
+            <a:lnRef idx="2">
+              <a:schemeClr val="accent1">
+                <a:shade val="50000"/>
+              </a:schemeClr>
+            </a:lnRef>
+            <a:fillRef idx="1">
+              <a:schemeClr val="accent1"/>
+            </a:fillRef>
+            <a:effectRef idx="0">
+              <a:schemeClr val="accent1"/>
+            </a:effectRef>
+            <a:fontRef idx="minor">
+              <a:schemeClr val="lt1"/>
+            </a:fontRef>
+          </p:style>
+          <p:txBody>
+            <a:bodyPr rtlCol="0" anchor="ctr"/>
+            <a:lstStyle/>
+            <a:p>
+              <a:pPr algn="ctr"/>
+              <a:endParaRPr lang="en-US"/>
+            </a:p>
+          </p:txBody>
+        </p:sp>
+        <p:sp>
+          <p:nvSpPr>
+            <p:cNvPr id="19" name="Rectangle 18">
+              <a:extLst>
+                <a:ext uri="{FF2B5EF4-FFF2-40B4-BE49-F238E27FC236}">
+                  <a16:creationId xmlns:a16="http://schemas.microsoft.com/office/drawing/2014/main" id="{ED49787B-8DE6-4467-AD0A-8DECC6E0C2D6}"/>
+                </a:ext>
+                <a:ext uri="{C183D7F6-B498-43B3-948B-1728B52AA6E4}">
+                  <adec:decorative xmlns:adec="http://schemas.microsoft.com/office/drawing/2017/decorative" val="1"/>
+                </a:ext>
+              </a:extLst>
+            </p:cNvPr>
+            <p:cNvSpPr/>
+            <p:nvPr>
+              <p:extLst>
+                <p:ext uri="{386F3935-93C4-4BCD-93E2-E3B085C9AB24}">
+                  <p16:designElem xmlns:p16="http://schemas.microsoft.com/office/powerpoint/2015/main" val="1"/>
+                </p:ext>
+              </p:extLst>
+            </p:nvPr>
+          </p:nvSpPr>
+          <p:spPr>
+            <a:xfrm>
+              <a:off x="5490650" y="308034"/>
+              <a:ext cx="566743" cy="3428999"/>
+            </a:xfrm>
+            <a:prstGeom prst="rect">
+              <a:avLst/>
+            </a:prstGeom>
+            <a:grpFill/>
+            <a:ln>
+              <a:noFill/>
+            </a:ln>
+          </p:spPr>
+          <p:style>
+            <a:lnRef idx="2">
+              <a:schemeClr val="accent1">
+                <a:shade val="50000"/>
+              </a:schemeClr>
+            </a:lnRef>
+            <a:fillRef idx="1">
+              <a:schemeClr val="accent1"/>
+            </a:fillRef>
+            <a:effectRef idx="0">
+              <a:schemeClr val="accent1"/>
+            </a:effectRef>
+            <a:fontRef idx="minor">
+              <a:schemeClr val="lt1"/>
+            </a:fontRef>
+          </p:style>
+          <p:txBody>
+            <a:bodyPr rtlCol="0" anchor="ctr"/>
+            <a:lstStyle/>
+            <a:p>
+              <a:pPr algn="ctr"/>
+              <a:endParaRPr lang="en-US"/>
+            </a:p>
+          </p:txBody>
+        </p:sp>
+      </p:grpSp>
+      <p:sp>
+        <p:nvSpPr>
+          <p:cNvPr id="21" name="Rectangle 20">
+            <a:extLst>
+              <a:ext uri="{FF2B5EF4-FFF2-40B4-BE49-F238E27FC236}">
+                <a16:creationId xmlns:a16="http://schemas.microsoft.com/office/drawing/2014/main" id="{D5B0017B-2ECA-49AF-B397-DC140825DF8D}"/>
+              </a:ext>
+              <a:ext uri="{C183D7F6-B498-43B3-948B-1728B52AA6E4}">
+                <adec:decorative xmlns:adec="http://schemas.microsoft.com/office/drawing/2017/decorative" val="1"/>
+              </a:ext>
+            </a:extLst>
+          </p:cNvPr>
+          <p:cNvSpPr>
+            <a:spLocks noGrp="1" noRot="1" noChangeAspect="1" noMove="1" noResize="1" noEditPoints="1" noAdjustHandles="1" noChangeArrowheads="1" noChangeShapeType="1" noTextEdit="1"/>
+          </p:cNvSpPr>
+          <p:nvPr>
+            <p:extLst>
+              <p:ext uri="{386F3935-93C4-4BCD-93E2-E3B085C9AB24}">
+                <p16:designElem xmlns:p16="http://schemas.microsoft.com/office/powerpoint/2015/main" val="1"/>
+              </p:ext>
+            </p:extLst>
+          </p:nvPr>
+        </p:nvSpPr>
+        <p:spPr>
+          <a:xfrm>
+            <a:off x="640079" y="613954"/>
+            <a:ext cx="10907487" cy="1894116"/>
+          </a:xfrm>
+          <a:prstGeom prst="rect">
+            <a:avLst/>
+          </a:prstGeom>
+          <a:solidFill>
+            <a:schemeClr val="bg1"/>
+          </a:solidFill>
+          <a:ln>
+            <a:noFill/>
+          </a:ln>
+          <a:effectLst>
+            <a:outerShdw blurRad="139700" dist="127000" dir="5400000" algn="t" rotWithShape="0">
+              <a:prstClr val="black">
+                <a:alpha val="15000"/>
+              </a:prstClr>
+            </a:outerShdw>
+          </a:effectLst>
+        </p:spPr>
+        <p:style>
+          <a:lnRef idx="2">
+            <a:schemeClr val="accent1">
+              <a:shade val="50000"/>
+            </a:schemeClr>
+          </a:lnRef>
+          <a:fillRef idx="1">
+            <a:schemeClr val="accent1"/>
+          </a:fillRef>
+          <a:effectRef idx="0">
+            <a:schemeClr val="accent1"/>
+          </a:effectRef>
+          <a:fontRef idx="minor">
+            <a:schemeClr val="lt1"/>
+          </a:fontRef>
+        </p:style>
+        <p:txBody>
+          <a:bodyPr rtlCol="0" anchor="ctr"/>
+          <a:lstStyle/>
+          <a:p>
+            <a:pPr algn="ctr"/>
+            <a:endParaRPr lang="en-US"/>
+          </a:p>
+        </p:txBody>
+      </p:sp>
       <p:sp>
         <p:nvSpPr>
           <p:cNvPr id="8" name="제목 7">
@@ -3450,13 +4791,20 @@
             <p:ph type="title"/>
           </p:nvPr>
         </p:nvSpPr>
-        <p:spPr/>
-        <p:txBody>
-          <a:bodyPr/>
-          <a:lstStyle/>
-          <a:p>
-            <a:r>
-              <a:rPr lang="ko-KR" altLang="en-US" dirty="0"/>
+        <p:spPr>
+          <a:xfrm>
+            <a:off x="1043631" y="809898"/>
+            <a:ext cx="9942716" cy="1554480"/>
+          </a:xfrm>
+        </p:spPr>
+        <p:txBody>
+          <a:bodyPr anchor="ctr">
+            <a:normAutofit/>
+          </a:bodyPr>
+          <a:lstStyle/>
+          <a:p>
+            <a:r>
+              <a:rPr lang="ko-KR" altLang="en-US" sz="4800" b="1" dirty="0"/>
               <a:t>프로젝트 특징</a:t>
             </a:r>
           </a:p>
@@ -3478,96 +4826,157 @@
             <p:ph idx="1"/>
           </p:nvPr>
         </p:nvSpPr>
-        <p:spPr/>
-        <p:txBody>
-          <a:bodyPr/>
-          <a:lstStyle/>
-          <a:p>
-            <a:r>
-              <a:rPr lang="ko-KR" altLang="en-US" dirty="0"/>
+        <p:spPr>
+          <a:xfrm>
+            <a:off x="1045028" y="2777608"/>
+            <a:ext cx="9941319" cy="3438166"/>
+          </a:xfrm>
+        </p:spPr>
+        <p:txBody>
+          <a:bodyPr anchor="ctr">
+            <a:noAutofit/>
+          </a:bodyPr>
+          <a:lstStyle/>
+          <a:p>
+            <a:r>
+              <a:rPr lang="ko-KR" altLang="en-US" sz="2400" dirty="0"/>
               <a:t>야간 주행 시뮬레이터로</a:t>
             </a:r>
             <a:r>
-              <a:rPr lang="en-US" altLang="ko-KR" dirty="0"/>
+              <a:rPr lang="en-US" altLang="ko-KR" sz="2400" dirty="0"/>
               <a:t>, </a:t>
             </a:r>
             <a:r>
-              <a:rPr lang="ko-KR" altLang="en-US" dirty="0"/>
-              <a:t>연석과 인도에 닿으면 게임이 종료</a:t>
-            </a:r>
-            <a:r>
-              <a:rPr lang="en-US" altLang="ko-KR" dirty="0"/>
+              <a:rPr lang="ko-KR" altLang="en-US" sz="2400" dirty="0"/>
+              <a:t>연석과 인도에 닿으면 게임이 종료된다</a:t>
+            </a:r>
+            <a:r>
+              <a:rPr lang="en-US" altLang="ko-KR" sz="2400" dirty="0"/>
               <a:t>.</a:t>
             </a:r>
           </a:p>
           <a:p>
             <a:r>
-              <a:rPr lang="ko-KR" altLang="en-US" dirty="0"/>
+              <a:rPr lang="ko-KR" altLang="en-US" sz="2400" dirty="0"/>
               <a:t>무사히 완주 시 시간이 기록</a:t>
             </a:r>
             <a:r>
-              <a:rPr lang="en-US" altLang="ko-KR" dirty="0"/>
+              <a:rPr lang="en-US" altLang="ko-KR" sz="2400" dirty="0"/>
               <a:t>, </a:t>
             </a:r>
             <a:r>
-              <a:rPr lang="ko-KR" altLang="en-US" dirty="0"/>
-              <a:t>빨리 들어온 순서대로 랭킹에 이름을 올릴 수 있다</a:t>
-            </a:r>
-            <a:r>
-              <a:rPr lang="en-US" altLang="ko-KR" dirty="0"/>
+              <a:rPr lang="ko-KR" altLang="en-US" sz="2400" dirty="0"/>
+              <a:t>빨리 들어온 순서대로 랭킹에 이름을</a:t>
+            </a:r>
+            <a:r>
+              <a:rPr lang="en-US" altLang="ko-KR" sz="2400" dirty="0"/>
+              <a:t> </a:t>
+            </a:r>
+            <a:r>
+              <a:rPr lang="ko-KR" altLang="en-US" sz="2400" dirty="0"/>
+              <a:t>올릴 수 있다</a:t>
+            </a:r>
+            <a:r>
+              <a:rPr lang="en-US" altLang="ko-KR" sz="2400" dirty="0"/>
               <a:t>.</a:t>
             </a:r>
           </a:p>
           <a:p>
-            <a:endParaRPr lang="en-US" altLang="ko-KR" dirty="0"/>
-          </a:p>
-          <a:p>
-            <a:r>
-              <a:rPr lang="ko-KR" altLang="en-US" dirty="0"/>
+            <a:r>
+              <a:rPr lang="ko-KR" altLang="en-US" sz="2400" dirty="0"/>
               <a:t>완주 시 이름을 </a:t>
             </a:r>
             <a:r>
-              <a:rPr lang="ko-KR" altLang="en-US" dirty="0" err="1"/>
+              <a:rPr lang="ko-KR" altLang="en-US" sz="2400" dirty="0" err="1"/>
               <a:t>입력받아</a:t>
             </a:r>
             <a:r>
-              <a:rPr lang="ko-KR" altLang="en-US" dirty="0"/>
+              <a:rPr lang="ko-KR" altLang="en-US" sz="2400" dirty="0"/>
               <a:t> 랭킹에 이름을 올릴 수 있다</a:t>
             </a:r>
             <a:r>
-              <a:rPr lang="en-US" altLang="ko-KR" dirty="0"/>
+              <a:rPr lang="en-US" altLang="ko-KR" sz="2400" dirty="0"/>
               <a:t>.</a:t>
             </a:r>
           </a:p>
           <a:p>
-            <a:endParaRPr lang="en-US" altLang="ko-KR" dirty="0"/>
-          </a:p>
-          <a:p>
-            <a:r>
-              <a:rPr lang="ko-KR" altLang="en-US" dirty="0"/>
+            <a:r>
+              <a:rPr lang="ko-KR" altLang="en-US" sz="2400" dirty="0"/>
               <a:t>적절한 간격의 조명과 곡선 형태의 </a:t>
             </a:r>
             <a:r>
-              <a:rPr lang="ko-KR" altLang="en-US" dirty="0" err="1"/>
+              <a:rPr lang="ko-KR" altLang="en-US" sz="2400" dirty="0" err="1"/>
               <a:t>맵이</a:t>
             </a:r>
             <a:r>
-              <a:rPr lang="ko-KR" altLang="en-US" dirty="0"/>
+              <a:rPr lang="ko-KR" altLang="en-US" sz="2400" dirty="0"/>
               <a:t> 게임의 난이도를 올려 흥미를 더해준다</a:t>
             </a:r>
             <a:r>
-              <a:rPr lang="en-US" altLang="ko-KR" dirty="0"/>
+              <a:rPr lang="en-US" altLang="ko-KR" sz="2400" dirty="0"/>
               <a:t>.</a:t>
             </a:r>
           </a:p>
           <a:p>
-            <a:endParaRPr lang="en-US" altLang="ko-KR" dirty="0"/>
-          </a:p>
-          <a:p>
-            <a:endParaRPr lang="en-US" altLang="ko-KR" dirty="0"/>
-          </a:p>
-        </p:txBody>
-      </p:sp>
+            <a:endParaRPr lang="en-US" altLang="ko-KR" sz="2400" dirty="0"/>
+          </a:p>
+          <a:p>
+            <a:endParaRPr lang="en-US" altLang="ko-KR" sz="2400" dirty="0"/>
+          </a:p>
+        </p:txBody>
+      </p:sp>
+      <p:cxnSp>
+        <p:nvCxnSpPr>
+          <p:cNvPr id="23" name="Straight Connector 22">
+            <a:extLst>
+              <a:ext uri="{FF2B5EF4-FFF2-40B4-BE49-F238E27FC236}">
+                <a16:creationId xmlns:a16="http://schemas.microsoft.com/office/drawing/2014/main" id="{6CF1BAF6-AD41-4082-B212-8A1F9A2E8779}"/>
+              </a:ext>
+              <a:ext uri="{C183D7F6-B498-43B3-948B-1728B52AA6E4}">
+                <adec:decorative xmlns:adec="http://schemas.microsoft.com/office/drawing/2017/decorative" val="1"/>
+              </a:ext>
+            </a:extLst>
+          </p:cNvPr>
+          <p:cNvCxnSpPr>
+            <a:cxnSpLocks noGrp="1" noRot="1" noChangeAspect="1" noMove="1" noResize="1" noEditPoints="1" noAdjustHandles="1" noChangeArrowheads="1" noChangeShapeType="1"/>
+          </p:cNvCxnSpPr>
+          <p:nvPr>
+            <p:extLst>
+              <p:ext uri="{386F3935-93C4-4BCD-93E2-E3B085C9AB24}">
+                <p16:designElem xmlns:p16="http://schemas.microsoft.com/office/powerpoint/2015/main" val="1"/>
+              </p:ext>
+            </p:extLst>
+          </p:nvPr>
+        </p:nvCxnSpPr>
+        <p:spPr>
+          <a:xfrm flipH="1">
+            <a:off x="838200" y="6485313"/>
+            <a:ext cx="10515600" cy="0"/>
+          </a:xfrm>
+          <a:prstGeom prst="line">
+            <a:avLst/>
+          </a:prstGeom>
+          <a:ln w="57150">
+            <a:solidFill>
+              <a:schemeClr val="accent4"/>
+            </a:solidFill>
+          </a:ln>
+        </p:spPr>
+        <p:style>
+          <a:lnRef idx="1">
+            <a:schemeClr val="accent1"/>
+          </a:lnRef>
+          <a:fillRef idx="0">
+            <a:schemeClr val="accent1"/>
+          </a:fillRef>
+          <a:effectRef idx="0">
+            <a:schemeClr val="accent1"/>
+          </a:effectRef>
+          <a:fontRef idx="minor">
+            <a:schemeClr val="tx1"/>
+          </a:fontRef>
+        </p:style>
+      </p:cxnSp>
     </p:spTree>
     <p:extLst>
       <p:ext uri="{BB962C8B-B14F-4D97-AF65-F5344CB8AC3E}">
@@ -3581,152 +4990,17 @@
 </p:sld>
 </file>
 
-<file path=ppt/slides/slide3.xml><?xml version="1.0" encoding="utf-8"?>
-<p:sld xmlns:a="http://schemas.openxmlformats.org/drawingml/2006/main" xmlns:r="http://schemas.openxmlformats.org/officeDocument/2006/relationships" xmlns:p="http://schemas.openxmlformats.org/presentationml/2006/main">
-  <p:cSld>
-    <p:spTree>
-      <p:nvGrpSpPr>
-        <p:cNvPr id="1" name="">
-          <a:extLst>
-            <a:ext uri="{FF2B5EF4-FFF2-40B4-BE49-F238E27FC236}">
-              <a16:creationId xmlns:a16="http://schemas.microsoft.com/office/drawing/2014/main" id="{F59501BA-2FB2-45DD-1516-1601813B82F6}"/>
-            </a:ext>
-          </a:extLst>
-        </p:cNvPr>
-        <p:cNvGrpSpPr/>
-        <p:nvPr/>
-      </p:nvGrpSpPr>
-      <p:grpSpPr>
-        <a:xfrm>
-          <a:off x="0" y="0"/>
-          <a:ext cx="0" cy="0"/>
-          <a:chOff x="0" y="0"/>
-          <a:chExt cx="0" cy="0"/>
-        </a:xfrm>
-      </p:grpSpPr>
-      <p:sp>
-        <p:nvSpPr>
-          <p:cNvPr id="8" name="제목 7">
-            <a:extLst>
-              <a:ext uri="{FF2B5EF4-FFF2-40B4-BE49-F238E27FC236}">
-                <a16:creationId xmlns:a16="http://schemas.microsoft.com/office/drawing/2014/main" id="{E1EC86E0-4D0C-4FDF-26E5-636599071FD4}"/>
-              </a:ext>
-            </a:extLst>
-          </p:cNvPr>
-          <p:cNvSpPr>
-            <a:spLocks noGrp="1"/>
-          </p:cNvSpPr>
-          <p:nvPr>
-            <p:ph type="title"/>
-          </p:nvPr>
-        </p:nvSpPr>
-        <p:spPr/>
-        <p:txBody>
-          <a:bodyPr/>
-          <a:lstStyle/>
-          <a:p>
-            <a:r>
-              <a:rPr lang="ko-KR" altLang="en-US" dirty="0"/>
-              <a:t>근거가 된 게임</a:t>
-            </a:r>
-          </a:p>
-        </p:txBody>
-      </p:sp>
-      <p:sp>
-        <p:nvSpPr>
-          <p:cNvPr id="9" name="내용 개체 틀 8">
-            <a:extLst>
-              <a:ext uri="{FF2B5EF4-FFF2-40B4-BE49-F238E27FC236}">
-                <a16:creationId xmlns:a16="http://schemas.microsoft.com/office/drawing/2014/main" id="{19AB9863-7D8E-4A69-54B1-47F22FC10020}"/>
-              </a:ext>
-            </a:extLst>
-          </p:cNvPr>
-          <p:cNvSpPr>
-            <a:spLocks noGrp="1"/>
-          </p:cNvSpPr>
-          <p:nvPr>
-            <p:ph idx="1"/>
-          </p:nvPr>
-        </p:nvSpPr>
-        <p:spPr/>
-        <p:txBody>
-          <a:bodyPr/>
-          <a:lstStyle/>
-          <a:p>
-            <a:r>
-              <a:rPr lang="en-US" altLang="ko-KR" dirty="0"/>
-              <a:t>3D </a:t>
-            </a:r>
-            <a:r>
-              <a:rPr lang="ko-KR" altLang="en-US" dirty="0"/>
-              <a:t>운전교실 등 다양한 운전 시뮬레이션 게임</a:t>
-            </a:r>
-          </a:p>
-        </p:txBody>
-      </p:sp>
-      <p:pic>
-        <p:nvPicPr>
-          <p:cNvPr id="1030" name="Picture 6" descr="3D운전교실 - Google Play 앱">
-            <a:extLst>
-              <a:ext uri="{FF2B5EF4-FFF2-40B4-BE49-F238E27FC236}">
-                <a16:creationId xmlns:a16="http://schemas.microsoft.com/office/drawing/2014/main" id="{7823586D-C398-CA54-1BDC-22A3B37599B2}"/>
-              </a:ext>
-            </a:extLst>
-          </p:cNvPr>
-          <p:cNvPicPr>
-            <a:picLocks noChangeAspect="1" noChangeArrowheads="1"/>
-          </p:cNvPicPr>
-          <p:nvPr/>
-        </p:nvPicPr>
-        <p:blipFill>
-          <a:blip r:embed="rId2">
-            <a:extLst>
-              <a:ext uri="{28A0092B-C50C-407E-A947-70E740481C1C}">
-                <a14:useLocalDpi xmlns:a14="http://schemas.microsoft.com/office/drawing/2010/main" val="0"/>
-              </a:ext>
-            </a:extLst>
-          </a:blip>
-          <a:srcRect/>
-          <a:stretch>
-            <a:fillRect/>
-          </a:stretch>
-        </p:blipFill>
-        <p:spPr bwMode="auto">
-          <a:xfrm>
-            <a:off x="2998364" y="2628899"/>
-            <a:ext cx="6195271" cy="3480955"/>
-          </a:xfrm>
-          <a:prstGeom prst="rect">
-            <a:avLst/>
-          </a:prstGeom>
-          <a:noFill/>
-          <a:extLst>
-            <a:ext uri="{909E8E84-426E-40DD-AFC4-6F175D3DCCD1}">
-              <a14:hiddenFill xmlns:a14="http://schemas.microsoft.com/office/drawing/2010/main">
-                <a:solidFill>
-                  <a:srgbClr val="FFFFFF"/>
-                </a:solidFill>
-              </a14:hiddenFill>
-            </a:ext>
-          </a:extLst>
-        </p:spPr>
-      </p:pic>
-    </p:spTree>
-    <p:extLst>
-      <p:ext uri="{BB962C8B-B14F-4D97-AF65-F5344CB8AC3E}">
-        <p14:creationId xmlns:p14="http://schemas.microsoft.com/office/powerpoint/2010/main" val="760125466"/>
-      </p:ext>
-    </p:extLst>
-  </p:cSld>
-  <p:clrMapOvr>
-    <a:masterClrMapping/>
-  </p:clrMapOvr>
-</p:sld>
-</file>
-
 <file path=ppt/slides/slide4.xml><?xml version="1.0" encoding="utf-8"?>
 <p:sld xmlns:a="http://schemas.openxmlformats.org/drawingml/2006/main" xmlns:r="http://schemas.openxmlformats.org/officeDocument/2006/relationships" xmlns:p="http://schemas.openxmlformats.org/presentationml/2006/main">
   <p:cSld>
+    <p:bg>
+      <p:bgPr>
+        <a:solidFill>
+          <a:schemeClr val="bg1"/>
+        </a:solidFill>
+        <a:effectLst/>
+      </p:bgPr>
+    </p:bg>
     <p:spTree>
       <p:nvGrpSpPr>
         <p:cNvPr id="1" name="">
@@ -3747,6 +5021,348 @@
           <a:chExt cx="0" cy="0"/>
         </a:xfrm>
       </p:grpSpPr>
+      <p:sp useBgFill="1">
+        <p:nvSpPr>
+          <p:cNvPr id="14" name="Rectangle 13">
+            <a:extLst>
+              <a:ext uri="{FF2B5EF4-FFF2-40B4-BE49-F238E27FC236}">
+                <a16:creationId xmlns:a16="http://schemas.microsoft.com/office/drawing/2014/main" id="{B6CDA21F-E7AF-4C75-8395-33F58D5B0E45}"/>
+              </a:ext>
+              <a:ext uri="{C183D7F6-B498-43B3-948B-1728B52AA6E4}">
+                <adec:decorative xmlns:adec="http://schemas.microsoft.com/office/drawing/2017/decorative" val="1"/>
+              </a:ext>
+            </a:extLst>
+          </p:cNvPr>
+          <p:cNvSpPr>
+            <a:spLocks noGrp="1" noRot="1" noChangeAspect="1" noMove="1" noResize="1" noEditPoints="1" noAdjustHandles="1" noChangeArrowheads="1" noChangeShapeType="1" noTextEdit="1"/>
+          </p:cNvSpPr>
+          <p:nvPr>
+            <p:extLst>
+              <p:ext uri="{386F3935-93C4-4BCD-93E2-E3B085C9AB24}">
+                <p16:designElem xmlns:p16="http://schemas.microsoft.com/office/powerpoint/2015/main" val="1"/>
+              </p:ext>
+            </p:extLst>
+          </p:nvPr>
+        </p:nvSpPr>
+        <p:spPr>
+          <a:xfrm>
+            <a:off x="0" y="0"/>
+            <a:ext cx="12191999" cy="6857365"/>
+          </a:xfrm>
+          <a:prstGeom prst="rect">
+            <a:avLst/>
+          </a:prstGeom>
+          <a:ln>
+            <a:noFill/>
+          </a:ln>
+        </p:spPr>
+        <p:style>
+          <a:lnRef idx="2">
+            <a:schemeClr val="accent1">
+              <a:shade val="50000"/>
+            </a:schemeClr>
+          </a:lnRef>
+          <a:fillRef idx="1">
+            <a:schemeClr val="accent1"/>
+          </a:fillRef>
+          <a:effectRef idx="0">
+            <a:schemeClr val="accent1"/>
+          </a:effectRef>
+          <a:fontRef idx="minor">
+            <a:schemeClr val="lt1"/>
+          </a:fontRef>
+        </p:style>
+        <p:txBody>
+          <a:bodyPr rtlCol="0" anchor="ctr"/>
+          <a:lstStyle/>
+          <a:p>
+            <a:pPr algn="ctr"/>
+            <a:endParaRPr lang="en-US"/>
+          </a:p>
+        </p:txBody>
+      </p:sp>
+      <p:grpSp>
+        <p:nvGrpSpPr>
+          <p:cNvPr id="16" name="Group 15">
+            <a:extLst>
+              <a:ext uri="{FF2B5EF4-FFF2-40B4-BE49-F238E27FC236}">
+                <a16:creationId xmlns:a16="http://schemas.microsoft.com/office/drawing/2014/main" id="{AE1C45F0-260A-458C-96ED-C1F6D2151219}"/>
+              </a:ext>
+              <a:ext uri="{C183D7F6-B498-43B3-948B-1728B52AA6E4}">
+                <adec:decorative xmlns:adec="http://schemas.microsoft.com/office/drawing/2017/decorative" val="1"/>
+              </a:ext>
+            </a:extLst>
+          </p:cNvPr>
+          <p:cNvGrpSpPr>
+            <a:grpSpLocks noGrp="1" noUngrp="1" noRot="1" noChangeAspect="1" noMove="1" noResize="1"/>
+          </p:cNvGrpSpPr>
+          <p:nvPr>
+            <p:extLst>
+              <p:ext uri="{386F3935-93C4-4BCD-93E2-E3B085C9AB24}">
+                <p16:designElem xmlns:p16="http://schemas.microsoft.com/office/powerpoint/2015/main" val="1"/>
+              </p:ext>
+            </p:extLst>
+          </p:nvPr>
+        </p:nvGrpSpPr>
+        <p:grpSpPr>
+          <a:xfrm>
+            <a:off x="4" y="1216597"/>
+            <a:ext cx="731521" cy="673460"/>
+            <a:chOff x="3940602" y="308034"/>
+            <a:chExt cx="2116791" cy="3428999"/>
+          </a:xfrm>
+          <a:solidFill>
+            <a:schemeClr val="accent4"/>
+          </a:solidFill>
+        </p:grpSpPr>
+        <p:sp>
+          <p:nvSpPr>
+            <p:cNvPr id="17" name="Rectangle 16">
+              <a:extLst>
+                <a:ext uri="{FF2B5EF4-FFF2-40B4-BE49-F238E27FC236}">
+                  <a16:creationId xmlns:a16="http://schemas.microsoft.com/office/drawing/2014/main" id="{A6604B49-AD5C-4590-B051-06C8222ECD99}"/>
+                </a:ext>
+                <a:ext uri="{C183D7F6-B498-43B3-948B-1728B52AA6E4}">
+                  <adec:decorative xmlns:adec="http://schemas.microsoft.com/office/drawing/2017/decorative" val="1"/>
+                </a:ext>
+              </a:extLst>
+            </p:cNvPr>
+            <p:cNvSpPr/>
+            <p:nvPr>
+              <p:extLst>
+                <p:ext uri="{386F3935-93C4-4BCD-93E2-E3B085C9AB24}">
+                  <p16:designElem xmlns:p16="http://schemas.microsoft.com/office/powerpoint/2015/main" val="1"/>
+                </p:ext>
+              </p:extLst>
+            </p:nvPr>
+          </p:nvSpPr>
+          <p:spPr>
+            <a:xfrm>
+              <a:off x="3940602" y="308034"/>
+              <a:ext cx="566743" cy="3428999"/>
+            </a:xfrm>
+            <a:prstGeom prst="rect">
+              <a:avLst/>
+            </a:prstGeom>
+            <a:grpFill/>
+            <a:ln>
+              <a:noFill/>
+            </a:ln>
+          </p:spPr>
+          <p:style>
+            <a:lnRef idx="2">
+              <a:schemeClr val="accent1">
+                <a:shade val="50000"/>
+              </a:schemeClr>
+            </a:lnRef>
+            <a:fillRef idx="1">
+              <a:schemeClr val="accent1"/>
+            </a:fillRef>
+            <a:effectRef idx="0">
+              <a:schemeClr val="accent1"/>
+            </a:effectRef>
+            <a:fontRef idx="minor">
+              <a:schemeClr val="lt1"/>
+            </a:fontRef>
+          </p:style>
+          <p:txBody>
+            <a:bodyPr rtlCol="0" anchor="ctr"/>
+            <a:lstStyle/>
+            <a:p>
+              <a:pPr algn="ctr"/>
+              <a:endParaRPr lang="en-US"/>
+            </a:p>
+          </p:txBody>
+        </p:sp>
+        <p:sp>
+          <p:nvSpPr>
+            <p:cNvPr id="18" name="Rectangle 17">
+              <a:extLst>
+                <a:ext uri="{FF2B5EF4-FFF2-40B4-BE49-F238E27FC236}">
+                  <a16:creationId xmlns:a16="http://schemas.microsoft.com/office/drawing/2014/main" id="{743ECCAF-29C5-4537-947C-7EA1292463DB}"/>
+                </a:ext>
+                <a:ext uri="{C183D7F6-B498-43B3-948B-1728B52AA6E4}">
+                  <adec:decorative xmlns:adec="http://schemas.microsoft.com/office/drawing/2017/decorative" val="1"/>
+                </a:ext>
+              </a:extLst>
+            </p:cNvPr>
+            <p:cNvSpPr/>
+            <p:nvPr>
+              <p:extLst>
+                <p:ext uri="{386F3935-93C4-4BCD-93E2-E3B085C9AB24}">
+                  <p16:designElem xmlns:p16="http://schemas.microsoft.com/office/powerpoint/2015/main" val="1"/>
+                </p:ext>
+              </p:extLst>
+            </p:nvPr>
+          </p:nvSpPr>
+          <p:spPr>
+            <a:xfrm>
+              <a:off x="4715626" y="308034"/>
+              <a:ext cx="566743" cy="3428999"/>
+            </a:xfrm>
+            <a:prstGeom prst="rect">
+              <a:avLst/>
+            </a:prstGeom>
+            <a:grpFill/>
+            <a:ln>
+              <a:noFill/>
+            </a:ln>
+          </p:spPr>
+          <p:style>
+            <a:lnRef idx="2">
+              <a:schemeClr val="accent1">
+                <a:shade val="50000"/>
+              </a:schemeClr>
+            </a:lnRef>
+            <a:fillRef idx="1">
+              <a:schemeClr val="accent1"/>
+            </a:fillRef>
+            <a:effectRef idx="0">
+              <a:schemeClr val="accent1"/>
+            </a:effectRef>
+            <a:fontRef idx="minor">
+              <a:schemeClr val="lt1"/>
+            </a:fontRef>
+          </p:style>
+          <p:txBody>
+            <a:bodyPr rtlCol="0" anchor="ctr"/>
+            <a:lstStyle/>
+            <a:p>
+              <a:pPr algn="ctr"/>
+              <a:endParaRPr lang="en-US"/>
+            </a:p>
+          </p:txBody>
+        </p:sp>
+        <p:sp>
+          <p:nvSpPr>
+            <p:cNvPr id="19" name="Rectangle 18">
+              <a:extLst>
+                <a:ext uri="{FF2B5EF4-FFF2-40B4-BE49-F238E27FC236}">
+                  <a16:creationId xmlns:a16="http://schemas.microsoft.com/office/drawing/2014/main" id="{ED49787B-8DE6-4467-AD0A-8DECC6E0C2D6}"/>
+                </a:ext>
+                <a:ext uri="{C183D7F6-B498-43B3-948B-1728B52AA6E4}">
+                  <adec:decorative xmlns:adec="http://schemas.microsoft.com/office/drawing/2017/decorative" val="1"/>
+                </a:ext>
+              </a:extLst>
+            </p:cNvPr>
+            <p:cNvSpPr/>
+            <p:nvPr>
+              <p:extLst>
+                <p:ext uri="{386F3935-93C4-4BCD-93E2-E3B085C9AB24}">
+                  <p16:designElem xmlns:p16="http://schemas.microsoft.com/office/powerpoint/2015/main" val="1"/>
+                </p:ext>
+              </p:extLst>
+            </p:nvPr>
+          </p:nvSpPr>
+          <p:spPr>
+            <a:xfrm>
+              <a:off x="5490650" y="308034"/>
+              <a:ext cx="566743" cy="3428999"/>
+            </a:xfrm>
+            <a:prstGeom prst="rect">
+              <a:avLst/>
+            </a:prstGeom>
+            <a:grpFill/>
+            <a:ln>
+              <a:noFill/>
+            </a:ln>
+          </p:spPr>
+          <p:style>
+            <a:lnRef idx="2">
+              <a:schemeClr val="accent1">
+                <a:shade val="50000"/>
+              </a:schemeClr>
+            </a:lnRef>
+            <a:fillRef idx="1">
+              <a:schemeClr val="accent1"/>
+            </a:fillRef>
+            <a:effectRef idx="0">
+              <a:schemeClr val="accent1"/>
+            </a:effectRef>
+            <a:fontRef idx="minor">
+              <a:schemeClr val="lt1"/>
+            </a:fontRef>
+          </p:style>
+          <p:txBody>
+            <a:bodyPr rtlCol="0" anchor="ctr"/>
+            <a:lstStyle/>
+            <a:p>
+              <a:pPr algn="ctr"/>
+              <a:endParaRPr lang="en-US"/>
+            </a:p>
+          </p:txBody>
+        </p:sp>
+      </p:grpSp>
+      <p:sp>
+        <p:nvSpPr>
+          <p:cNvPr id="21" name="Rectangle 20">
+            <a:extLst>
+              <a:ext uri="{FF2B5EF4-FFF2-40B4-BE49-F238E27FC236}">
+                <a16:creationId xmlns:a16="http://schemas.microsoft.com/office/drawing/2014/main" id="{D5B0017B-2ECA-49AF-B397-DC140825DF8D}"/>
+              </a:ext>
+              <a:ext uri="{C183D7F6-B498-43B3-948B-1728B52AA6E4}">
+                <adec:decorative xmlns:adec="http://schemas.microsoft.com/office/drawing/2017/decorative" val="1"/>
+              </a:ext>
+            </a:extLst>
+          </p:cNvPr>
+          <p:cNvSpPr>
+            <a:spLocks noGrp="1" noRot="1" noChangeAspect="1" noMove="1" noResize="1" noEditPoints="1" noAdjustHandles="1" noChangeArrowheads="1" noChangeShapeType="1" noTextEdit="1"/>
+          </p:cNvSpPr>
+          <p:nvPr>
+            <p:extLst>
+              <p:ext uri="{386F3935-93C4-4BCD-93E2-E3B085C9AB24}">
+                <p16:designElem xmlns:p16="http://schemas.microsoft.com/office/powerpoint/2015/main" val="1"/>
+              </p:ext>
+            </p:extLst>
+          </p:nvPr>
+        </p:nvSpPr>
+        <p:spPr>
+          <a:xfrm>
+            <a:off x="640079" y="613954"/>
+            <a:ext cx="10907487" cy="1894116"/>
+          </a:xfrm>
+          <a:prstGeom prst="rect">
+            <a:avLst/>
+          </a:prstGeom>
+          <a:solidFill>
+            <a:schemeClr val="bg1"/>
+          </a:solidFill>
+          <a:ln>
+            <a:noFill/>
+          </a:ln>
+          <a:effectLst>
+            <a:outerShdw blurRad="139700" dist="127000" dir="5400000" algn="t" rotWithShape="0">
+              <a:prstClr val="black">
+                <a:alpha val="15000"/>
+              </a:prstClr>
+            </a:outerShdw>
+          </a:effectLst>
+        </p:spPr>
+        <p:style>
+          <a:lnRef idx="2">
+            <a:schemeClr val="accent1">
+              <a:shade val="50000"/>
+            </a:schemeClr>
+          </a:lnRef>
+          <a:fillRef idx="1">
+            <a:schemeClr val="accent1"/>
+          </a:fillRef>
+          <a:effectRef idx="0">
+            <a:schemeClr val="accent1"/>
+          </a:effectRef>
+          <a:fontRef idx="minor">
+            <a:schemeClr val="lt1"/>
+          </a:fontRef>
+        </p:style>
+        <p:txBody>
+          <a:bodyPr rtlCol="0" anchor="ctr"/>
+          <a:lstStyle/>
+          <a:p>
+            <a:pPr algn="ctr"/>
+            <a:endParaRPr lang="en-US"/>
+          </a:p>
+        </p:txBody>
+      </p:sp>
       <p:sp>
         <p:nvSpPr>
           <p:cNvPr id="8" name="제목 7">
@@ -3763,13 +5379,20 @@
             <p:ph type="title"/>
           </p:nvPr>
         </p:nvSpPr>
-        <p:spPr/>
-        <p:txBody>
-          <a:bodyPr/>
-          <a:lstStyle/>
-          <a:p>
-            <a:r>
-              <a:rPr lang="ko-KR" altLang="en-US" dirty="0"/>
+        <p:spPr>
+          <a:xfrm>
+            <a:off x="1043631" y="809898"/>
+            <a:ext cx="9942716" cy="1554480"/>
+          </a:xfrm>
+        </p:spPr>
+        <p:txBody>
+          <a:bodyPr anchor="ctr">
+            <a:normAutofit/>
+          </a:bodyPr>
+          <a:lstStyle/>
+          <a:p>
+            <a:r>
+              <a:rPr lang="ko-KR" altLang="en-US" sz="4800" b="1" dirty="0"/>
               <a:t>플레이 방식</a:t>
             </a:r>
           </a:p>
@@ -3791,106 +5414,163 @@
             <p:ph idx="1"/>
           </p:nvPr>
         </p:nvSpPr>
-        <p:spPr/>
-        <p:txBody>
-          <a:bodyPr/>
-          <a:lstStyle/>
-          <a:p>
-            <a:r>
-              <a:rPr lang="ko-KR" altLang="en-US" dirty="0"/>
+        <p:spPr>
+          <a:xfrm>
+            <a:off x="1045028" y="2787602"/>
+            <a:ext cx="9941319" cy="3124658"/>
+          </a:xfrm>
+        </p:spPr>
+        <p:txBody>
+          <a:bodyPr anchor="ctr">
+            <a:noAutofit/>
+          </a:bodyPr>
+          <a:lstStyle/>
+          <a:p>
+            <a:r>
+              <a:rPr lang="ko-KR" altLang="en-US" sz="2400" dirty="0"/>
               <a:t>시작화면에서 </a:t>
             </a:r>
             <a:r>
-              <a:rPr lang="en-US" altLang="ko-KR" dirty="0"/>
+              <a:rPr lang="en-US" altLang="ko-KR" sz="2400" dirty="0"/>
               <a:t>1 </a:t>
             </a:r>
             <a:r>
-              <a:rPr lang="ko-KR" altLang="en-US" dirty="0"/>
+              <a:rPr lang="ko-KR" altLang="en-US" sz="2400" dirty="0"/>
               <a:t>혹은 </a:t>
             </a:r>
             <a:r>
-              <a:rPr lang="en-US" altLang="ko-KR" dirty="0"/>
+              <a:rPr lang="en-US" altLang="ko-KR" sz="2400" dirty="0"/>
               <a:t>2</a:t>
             </a:r>
             <a:r>
-              <a:rPr lang="ko-KR" altLang="en-US" dirty="0"/>
+              <a:rPr lang="ko-KR" altLang="en-US" sz="2400" dirty="0"/>
               <a:t>를 눌러 </a:t>
             </a:r>
             <a:r>
-              <a:rPr lang="ko-KR" altLang="en-US" dirty="0" err="1"/>
+              <a:rPr lang="ko-KR" altLang="en-US" sz="2400" dirty="0" err="1"/>
               <a:t>맵을</a:t>
             </a:r>
             <a:r>
-              <a:rPr lang="ko-KR" altLang="en-US" dirty="0"/>
+              <a:rPr lang="ko-KR" altLang="en-US" sz="2400" dirty="0"/>
               <a:t> 선택</a:t>
             </a:r>
-            <a:endParaRPr lang="en-US" altLang="ko-KR" dirty="0"/>
-          </a:p>
-          <a:p>
-            <a:r>
-              <a:rPr lang="ko-KR" altLang="en-US" dirty="0"/>
+            <a:endParaRPr lang="en-US" altLang="ko-KR" sz="2400" dirty="0"/>
+          </a:p>
+          <a:p>
+            <a:r>
+              <a:rPr lang="ko-KR" altLang="en-US" sz="2400" dirty="0"/>
               <a:t>화살표 키를 통해 회전 및 이동</a:t>
             </a:r>
-            <a:endParaRPr lang="en-US" altLang="ko-KR" dirty="0"/>
-          </a:p>
-          <a:p>
-            <a:pPr lvl="1"/>
-            <a:r>
-              <a:rPr lang="ko-KR" altLang="en-US" dirty="0"/>
+            <a:endParaRPr lang="en-US" altLang="ko-KR" sz="2400" dirty="0"/>
+          </a:p>
+          <a:p>
+            <a:r>
+              <a:rPr lang="ko-KR" altLang="en-US" sz="2400" dirty="0"/>
               <a:t>인도에 닿으면 게임종료</a:t>
             </a:r>
-            <a:endParaRPr lang="en-US" altLang="ko-KR" dirty="0"/>
-          </a:p>
-          <a:p>
-            <a:pPr lvl="1"/>
-            <a:r>
-              <a:rPr lang="en-US" altLang="ko-KR" dirty="0"/>
+            <a:endParaRPr lang="en-US" altLang="ko-KR" sz="2400" dirty="0"/>
+          </a:p>
+          <a:p>
+            <a:r>
+              <a:rPr lang="en-US" altLang="ko-KR" sz="2400" dirty="0"/>
               <a:t>‘R’</a:t>
             </a:r>
             <a:r>
-              <a:rPr lang="ko-KR" altLang="en-US" dirty="0"/>
+              <a:rPr lang="ko-KR" altLang="en-US" sz="2400" dirty="0"/>
               <a:t>키를 통해 재시작</a:t>
             </a:r>
-            <a:endParaRPr lang="en-US" altLang="ko-KR" dirty="0"/>
-          </a:p>
-          <a:p>
-            <a:r>
-              <a:rPr lang="ko-KR" altLang="en-US" dirty="0"/>
+            <a:endParaRPr lang="en-US" altLang="ko-KR" sz="2400" dirty="0"/>
+          </a:p>
+          <a:p>
+            <a:r>
+              <a:rPr lang="ko-KR" altLang="en-US" sz="2400" dirty="0"/>
               <a:t>완주 시 이름을 입력</a:t>
             </a:r>
-            <a:endParaRPr lang="en-US" altLang="ko-KR" dirty="0"/>
-          </a:p>
-          <a:p>
-            <a:r>
-              <a:rPr lang="ko-KR" altLang="en-US" dirty="0"/>
+            <a:endParaRPr lang="en-US" altLang="ko-KR" sz="2400" dirty="0"/>
+          </a:p>
+          <a:p>
+            <a:r>
+              <a:rPr lang="ko-KR" altLang="en-US" sz="2400" dirty="0"/>
               <a:t>시작화면에서 </a:t>
             </a:r>
             <a:r>
-              <a:rPr lang="en-US" altLang="ko-KR" dirty="0"/>
+              <a:rPr lang="en-US" altLang="ko-KR" sz="2400" dirty="0"/>
               <a:t>‘R’</a:t>
             </a:r>
             <a:r>
-              <a:rPr lang="ko-KR" altLang="en-US" dirty="0"/>
+              <a:rPr lang="ko-KR" altLang="en-US" sz="2400" dirty="0"/>
               <a:t>키를 눌러 랭킹 확인</a:t>
             </a:r>
-            <a:endParaRPr lang="en-US" altLang="ko-KR" dirty="0"/>
-          </a:p>
-          <a:p>
-            <a:r>
-              <a:rPr lang="ko-KR" altLang="en-US" dirty="0"/>
+            <a:endParaRPr lang="en-US" altLang="ko-KR" sz="2400" dirty="0"/>
+          </a:p>
+          <a:p>
+            <a:r>
+              <a:rPr lang="ko-KR" altLang="en-US" sz="2400" dirty="0"/>
               <a:t>시작화면에서 </a:t>
             </a:r>
             <a:r>
-              <a:rPr lang="en-US" altLang="ko-KR" dirty="0"/>
+              <a:rPr lang="en-US" altLang="ko-KR" sz="2400" dirty="0"/>
               <a:t>‘Q’</a:t>
             </a:r>
             <a:r>
-              <a:rPr lang="ko-KR" altLang="en-US" dirty="0"/>
+              <a:rPr lang="ko-KR" altLang="en-US" sz="2400" dirty="0"/>
               <a:t>를 눌러 게임 종료</a:t>
             </a:r>
           </a:p>
         </p:txBody>
       </p:sp>
+      <p:cxnSp>
+        <p:nvCxnSpPr>
+          <p:cNvPr id="23" name="Straight Connector 22">
+            <a:extLst>
+              <a:ext uri="{FF2B5EF4-FFF2-40B4-BE49-F238E27FC236}">
+                <a16:creationId xmlns:a16="http://schemas.microsoft.com/office/drawing/2014/main" id="{6CF1BAF6-AD41-4082-B212-8A1F9A2E8779}"/>
+              </a:ext>
+              <a:ext uri="{C183D7F6-B498-43B3-948B-1728B52AA6E4}">
+                <adec:decorative xmlns:adec="http://schemas.microsoft.com/office/drawing/2017/decorative" val="1"/>
+              </a:ext>
+            </a:extLst>
+          </p:cNvPr>
+          <p:cNvCxnSpPr>
+            <a:cxnSpLocks noGrp="1" noRot="1" noChangeAspect="1" noMove="1" noResize="1" noEditPoints="1" noAdjustHandles="1" noChangeArrowheads="1" noChangeShapeType="1"/>
+          </p:cNvCxnSpPr>
+          <p:nvPr>
+            <p:extLst>
+              <p:ext uri="{386F3935-93C4-4BCD-93E2-E3B085C9AB24}">
+                <p16:designElem xmlns:p16="http://schemas.microsoft.com/office/powerpoint/2015/main" val="1"/>
+              </p:ext>
+            </p:extLst>
+          </p:nvPr>
+        </p:nvCxnSpPr>
+        <p:spPr>
+          <a:xfrm flipH="1">
+            <a:off x="838200" y="6485313"/>
+            <a:ext cx="10515600" cy="0"/>
+          </a:xfrm>
+          <a:prstGeom prst="line">
+            <a:avLst/>
+          </a:prstGeom>
+          <a:ln w="57150">
+            <a:solidFill>
+              <a:schemeClr val="accent4"/>
+            </a:solidFill>
+          </a:ln>
+        </p:spPr>
+        <p:style>
+          <a:lnRef idx="1">
+            <a:schemeClr val="accent1"/>
+          </a:lnRef>
+          <a:fillRef idx="0">
+            <a:schemeClr val="accent1"/>
+          </a:fillRef>
+          <a:effectRef idx="0">
+            <a:schemeClr val="accent1"/>
+          </a:effectRef>
+          <a:fontRef idx="minor">
+            <a:schemeClr val="tx1"/>
+          </a:fontRef>
+        </p:style>
+      </p:cxnSp>
     </p:spTree>
     <p:extLst>
       <p:ext uri="{BB962C8B-B14F-4D97-AF65-F5344CB8AC3E}">
@@ -3907,6 +5587,14 @@
 <file path=ppt/slides/slide5.xml><?xml version="1.0" encoding="utf-8"?>
 <p:sld xmlns:a="http://schemas.openxmlformats.org/drawingml/2006/main" xmlns:r="http://schemas.openxmlformats.org/officeDocument/2006/relationships" xmlns:p="http://schemas.openxmlformats.org/presentationml/2006/main">
   <p:cSld>
+    <p:bg>
+      <p:bgPr>
+        <a:solidFill>
+          <a:schemeClr val="bg1"/>
+        </a:solidFill>
+        <a:effectLst/>
+      </p:bgPr>
+    </p:bg>
     <p:spTree>
       <p:nvGrpSpPr>
         <p:cNvPr id="1" name="">
@@ -3927,6 +5615,348 @@
           <a:chExt cx="0" cy="0"/>
         </a:xfrm>
       </p:grpSpPr>
+      <p:sp useBgFill="1">
+        <p:nvSpPr>
+          <p:cNvPr id="14" name="Rectangle 13">
+            <a:extLst>
+              <a:ext uri="{FF2B5EF4-FFF2-40B4-BE49-F238E27FC236}">
+                <a16:creationId xmlns:a16="http://schemas.microsoft.com/office/drawing/2014/main" id="{B6CDA21F-E7AF-4C75-8395-33F58D5B0E45}"/>
+              </a:ext>
+              <a:ext uri="{C183D7F6-B498-43B3-948B-1728B52AA6E4}">
+                <adec:decorative xmlns:adec="http://schemas.microsoft.com/office/drawing/2017/decorative" val="1"/>
+              </a:ext>
+            </a:extLst>
+          </p:cNvPr>
+          <p:cNvSpPr>
+            <a:spLocks noGrp="1" noRot="1" noChangeAspect="1" noMove="1" noResize="1" noEditPoints="1" noAdjustHandles="1" noChangeArrowheads="1" noChangeShapeType="1" noTextEdit="1"/>
+          </p:cNvSpPr>
+          <p:nvPr>
+            <p:extLst>
+              <p:ext uri="{386F3935-93C4-4BCD-93E2-E3B085C9AB24}">
+                <p16:designElem xmlns:p16="http://schemas.microsoft.com/office/powerpoint/2015/main" val="1"/>
+              </p:ext>
+            </p:extLst>
+          </p:nvPr>
+        </p:nvSpPr>
+        <p:spPr>
+          <a:xfrm>
+            <a:off x="0" y="0"/>
+            <a:ext cx="12191999" cy="6857365"/>
+          </a:xfrm>
+          <a:prstGeom prst="rect">
+            <a:avLst/>
+          </a:prstGeom>
+          <a:ln>
+            <a:noFill/>
+          </a:ln>
+        </p:spPr>
+        <p:style>
+          <a:lnRef idx="2">
+            <a:schemeClr val="accent1">
+              <a:shade val="50000"/>
+            </a:schemeClr>
+          </a:lnRef>
+          <a:fillRef idx="1">
+            <a:schemeClr val="accent1"/>
+          </a:fillRef>
+          <a:effectRef idx="0">
+            <a:schemeClr val="accent1"/>
+          </a:effectRef>
+          <a:fontRef idx="minor">
+            <a:schemeClr val="lt1"/>
+          </a:fontRef>
+        </p:style>
+        <p:txBody>
+          <a:bodyPr rtlCol="0" anchor="ctr"/>
+          <a:lstStyle/>
+          <a:p>
+            <a:pPr algn="ctr"/>
+            <a:endParaRPr lang="en-US"/>
+          </a:p>
+        </p:txBody>
+      </p:sp>
+      <p:grpSp>
+        <p:nvGrpSpPr>
+          <p:cNvPr id="16" name="Group 15">
+            <a:extLst>
+              <a:ext uri="{FF2B5EF4-FFF2-40B4-BE49-F238E27FC236}">
+                <a16:creationId xmlns:a16="http://schemas.microsoft.com/office/drawing/2014/main" id="{AE1C45F0-260A-458C-96ED-C1F6D2151219}"/>
+              </a:ext>
+              <a:ext uri="{C183D7F6-B498-43B3-948B-1728B52AA6E4}">
+                <adec:decorative xmlns:adec="http://schemas.microsoft.com/office/drawing/2017/decorative" val="1"/>
+              </a:ext>
+            </a:extLst>
+          </p:cNvPr>
+          <p:cNvGrpSpPr>
+            <a:grpSpLocks noGrp="1" noUngrp="1" noRot="1" noChangeAspect="1" noMove="1" noResize="1"/>
+          </p:cNvGrpSpPr>
+          <p:nvPr>
+            <p:extLst>
+              <p:ext uri="{386F3935-93C4-4BCD-93E2-E3B085C9AB24}">
+                <p16:designElem xmlns:p16="http://schemas.microsoft.com/office/powerpoint/2015/main" val="1"/>
+              </p:ext>
+            </p:extLst>
+          </p:nvPr>
+        </p:nvGrpSpPr>
+        <p:grpSpPr>
+          <a:xfrm>
+            <a:off x="4" y="1216597"/>
+            <a:ext cx="731521" cy="673460"/>
+            <a:chOff x="3940602" y="308034"/>
+            <a:chExt cx="2116791" cy="3428999"/>
+          </a:xfrm>
+          <a:solidFill>
+            <a:schemeClr val="accent4"/>
+          </a:solidFill>
+        </p:grpSpPr>
+        <p:sp>
+          <p:nvSpPr>
+            <p:cNvPr id="17" name="Rectangle 16">
+              <a:extLst>
+                <a:ext uri="{FF2B5EF4-FFF2-40B4-BE49-F238E27FC236}">
+                  <a16:creationId xmlns:a16="http://schemas.microsoft.com/office/drawing/2014/main" id="{A6604B49-AD5C-4590-B051-06C8222ECD99}"/>
+                </a:ext>
+                <a:ext uri="{C183D7F6-B498-43B3-948B-1728B52AA6E4}">
+                  <adec:decorative xmlns:adec="http://schemas.microsoft.com/office/drawing/2017/decorative" val="1"/>
+                </a:ext>
+              </a:extLst>
+            </p:cNvPr>
+            <p:cNvSpPr/>
+            <p:nvPr>
+              <p:extLst>
+                <p:ext uri="{386F3935-93C4-4BCD-93E2-E3B085C9AB24}">
+                  <p16:designElem xmlns:p16="http://schemas.microsoft.com/office/powerpoint/2015/main" val="1"/>
+                </p:ext>
+              </p:extLst>
+            </p:nvPr>
+          </p:nvSpPr>
+          <p:spPr>
+            <a:xfrm>
+              <a:off x="3940602" y="308034"/>
+              <a:ext cx="566743" cy="3428999"/>
+            </a:xfrm>
+            <a:prstGeom prst="rect">
+              <a:avLst/>
+            </a:prstGeom>
+            <a:grpFill/>
+            <a:ln>
+              <a:noFill/>
+            </a:ln>
+          </p:spPr>
+          <p:style>
+            <a:lnRef idx="2">
+              <a:schemeClr val="accent1">
+                <a:shade val="50000"/>
+              </a:schemeClr>
+            </a:lnRef>
+            <a:fillRef idx="1">
+              <a:schemeClr val="accent1"/>
+            </a:fillRef>
+            <a:effectRef idx="0">
+              <a:schemeClr val="accent1"/>
+            </a:effectRef>
+            <a:fontRef idx="minor">
+              <a:schemeClr val="lt1"/>
+            </a:fontRef>
+          </p:style>
+          <p:txBody>
+            <a:bodyPr rtlCol="0" anchor="ctr"/>
+            <a:lstStyle/>
+            <a:p>
+              <a:pPr algn="ctr"/>
+              <a:endParaRPr lang="en-US"/>
+            </a:p>
+          </p:txBody>
+        </p:sp>
+        <p:sp>
+          <p:nvSpPr>
+            <p:cNvPr id="18" name="Rectangle 17">
+              <a:extLst>
+                <a:ext uri="{FF2B5EF4-FFF2-40B4-BE49-F238E27FC236}">
+                  <a16:creationId xmlns:a16="http://schemas.microsoft.com/office/drawing/2014/main" id="{743ECCAF-29C5-4537-947C-7EA1292463DB}"/>
+                </a:ext>
+                <a:ext uri="{C183D7F6-B498-43B3-948B-1728B52AA6E4}">
+                  <adec:decorative xmlns:adec="http://schemas.microsoft.com/office/drawing/2017/decorative" val="1"/>
+                </a:ext>
+              </a:extLst>
+            </p:cNvPr>
+            <p:cNvSpPr/>
+            <p:nvPr>
+              <p:extLst>
+                <p:ext uri="{386F3935-93C4-4BCD-93E2-E3B085C9AB24}">
+                  <p16:designElem xmlns:p16="http://schemas.microsoft.com/office/powerpoint/2015/main" val="1"/>
+                </p:ext>
+              </p:extLst>
+            </p:nvPr>
+          </p:nvSpPr>
+          <p:spPr>
+            <a:xfrm>
+              <a:off x="4715626" y="308034"/>
+              <a:ext cx="566743" cy="3428999"/>
+            </a:xfrm>
+            <a:prstGeom prst="rect">
+              <a:avLst/>
+            </a:prstGeom>
+            <a:grpFill/>
+            <a:ln>
+              <a:noFill/>
+            </a:ln>
+          </p:spPr>
+          <p:style>
+            <a:lnRef idx="2">
+              <a:schemeClr val="accent1">
+                <a:shade val="50000"/>
+              </a:schemeClr>
+            </a:lnRef>
+            <a:fillRef idx="1">
+              <a:schemeClr val="accent1"/>
+            </a:fillRef>
+            <a:effectRef idx="0">
+              <a:schemeClr val="accent1"/>
+            </a:effectRef>
+            <a:fontRef idx="minor">
+              <a:schemeClr val="lt1"/>
+            </a:fontRef>
+          </p:style>
+          <p:txBody>
+            <a:bodyPr rtlCol="0" anchor="ctr"/>
+            <a:lstStyle/>
+            <a:p>
+              <a:pPr algn="ctr"/>
+              <a:endParaRPr lang="en-US"/>
+            </a:p>
+          </p:txBody>
+        </p:sp>
+        <p:sp>
+          <p:nvSpPr>
+            <p:cNvPr id="19" name="Rectangle 18">
+              <a:extLst>
+                <a:ext uri="{FF2B5EF4-FFF2-40B4-BE49-F238E27FC236}">
+                  <a16:creationId xmlns:a16="http://schemas.microsoft.com/office/drawing/2014/main" id="{ED49787B-8DE6-4467-AD0A-8DECC6E0C2D6}"/>
+                </a:ext>
+                <a:ext uri="{C183D7F6-B498-43B3-948B-1728B52AA6E4}">
+                  <adec:decorative xmlns:adec="http://schemas.microsoft.com/office/drawing/2017/decorative" val="1"/>
+                </a:ext>
+              </a:extLst>
+            </p:cNvPr>
+            <p:cNvSpPr/>
+            <p:nvPr>
+              <p:extLst>
+                <p:ext uri="{386F3935-93C4-4BCD-93E2-E3B085C9AB24}">
+                  <p16:designElem xmlns:p16="http://schemas.microsoft.com/office/powerpoint/2015/main" val="1"/>
+                </p:ext>
+              </p:extLst>
+            </p:nvPr>
+          </p:nvSpPr>
+          <p:spPr>
+            <a:xfrm>
+              <a:off x="5490650" y="308034"/>
+              <a:ext cx="566743" cy="3428999"/>
+            </a:xfrm>
+            <a:prstGeom prst="rect">
+              <a:avLst/>
+            </a:prstGeom>
+            <a:grpFill/>
+            <a:ln>
+              <a:noFill/>
+            </a:ln>
+          </p:spPr>
+          <p:style>
+            <a:lnRef idx="2">
+              <a:schemeClr val="accent1">
+                <a:shade val="50000"/>
+              </a:schemeClr>
+            </a:lnRef>
+            <a:fillRef idx="1">
+              <a:schemeClr val="accent1"/>
+            </a:fillRef>
+            <a:effectRef idx="0">
+              <a:schemeClr val="accent1"/>
+            </a:effectRef>
+            <a:fontRef idx="minor">
+              <a:schemeClr val="lt1"/>
+            </a:fontRef>
+          </p:style>
+          <p:txBody>
+            <a:bodyPr rtlCol="0" anchor="ctr"/>
+            <a:lstStyle/>
+            <a:p>
+              <a:pPr algn="ctr"/>
+              <a:endParaRPr lang="en-US"/>
+            </a:p>
+          </p:txBody>
+        </p:sp>
+      </p:grpSp>
+      <p:sp>
+        <p:nvSpPr>
+          <p:cNvPr id="21" name="Rectangle 20">
+            <a:extLst>
+              <a:ext uri="{FF2B5EF4-FFF2-40B4-BE49-F238E27FC236}">
+                <a16:creationId xmlns:a16="http://schemas.microsoft.com/office/drawing/2014/main" id="{D5B0017B-2ECA-49AF-B397-DC140825DF8D}"/>
+              </a:ext>
+              <a:ext uri="{C183D7F6-B498-43B3-948B-1728B52AA6E4}">
+                <adec:decorative xmlns:adec="http://schemas.microsoft.com/office/drawing/2017/decorative" val="1"/>
+              </a:ext>
+            </a:extLst>
+          </p:cNvPr>
+          <p:cNvSpPr>
+            <a:spLocks noGrp="1" noRot="1" noChangeAspect="1" noMove="1" noResize="1" noEditPoints="1" noAdjustHandles="1" noChangeArrowheads="1" noChangeShapeType="1" noTextEdit="1"/>
+          </p:cNvSpPr>
+          <p:nvPr>
+            <p:extLst>
+              <p:ext uri="{386F3935-93C4-4BCD-93E2-E3B085C9AB24}">
+                <p16:designElem xmlns:p16="http://schemas.microsoft.com/office/powerpoint/2015/main" val="1"/>
+              </p:ext>
+            </p:extLst>
+          </p:nvPr>
+        </p:nvSpPr>
+        <p:spPr>
+          <a:xfrm>
+            <a:off x="640079" y="613954"/>
+            <a:ext cx="10907487" cy="1894116"/>
+          </a:xfrm>
+          <a:prstGeom prst="rect">
+            <a:avLst/>
+          </a:prstGeom>
+          <a:solidFill>
+            <a:schemeClr val="bg1"/>
+          </a:solidFill>
+          <a:ln>
+            <a:noFill/>
+          </a:ln>
+          <a:effectLst>
+            <a:outerShdw blurRad="139700" dist="127000" dir="5400000" algn="t" rotWithShape="0">
+              <a:prstClr val="black">
+                <a:alpha val="15000"/>
+              </a:prstClr>
+            </a:outerShdw>
+          </a:effectLst>
+        </p:spPr>
+        <p:style>
+          <a:lnRef idx="2">
+            <a:schemeClr val="accent1">
+              <a:shade val="50000"/>
+            </a:schemeClr>
+          </a:lnRef>
+          <a:fillRef idx="1">
+            <a:schemeClr val="accent1"/>
+          </a:fillRef>
+          <a:effectRef idx="0">
+            <a:schemeClr val="accent1"/>
+          </a:effectRef>
+          <a:fontRef idx="minor">
+            <a:schemeClr val="lt1"/>
+          </a:fontRef>
+        </p:style>
+        <p:txBody>
+          <a:bodyPr rtlCol="0" anchor="ctr"/>
+          <a:lstStyle/>
+          <a:p>
+            <a:pPr algn="ctr"/>
+            <a:endParaRPr lang="en-US"/>
+          </a:p>
+        </p:txBody>
+      </p:sp>
       <p:sp>
         <p:nvSpPr>
           <p:cNvPr id="8" name="제목 7">
@@ -3943,13 +5973,20 @@
             <p:ph type="title"/>
           </p:nvPr>
         </p:nvSpPr>
-        <p:spPr/>
-        <p:txBody>
-          <a:bodyPr/>
-          <a:lstStyle/>
-          <a:p>
-            <a:r>
-              <a:rPr lang="ko-KR" altLang="en-US" dirty="0"/>
+        <p:spPr>
+          <a:xfrm>
+            <a:off x="1043631" y="809898"/>
+            <a:ext cx="9942716" cy="1554480"/>
+          </a:xfrm>
+        </p:spPr>
+        <p:txBody>
+          <a:bodyPr anchor="ctr">
+            <a:normAutofit/>
+          </a:bodyPr>
+          <a:lstStyle/>
+          <a:p>
+            <a:r>
+              <a:rPr lang="ko-KR" altLang="en-US" sz="4800" b="1" dirty="0"/>
               <a:t>작동 키</a:t>
             </a:r>
           </a:p>
@@ -3971,57 +6008,62 @@
             <p:ph idx="1"/>
           </p:nvPr>
         </p:nvSpPr>
-        <p:spPr/>
-        <p:txBody>
-          <a:bodyPr/>
-          <a:lstStyle/>
-          <a:p>
-            <a:r>
-              <a:rPr lang="ko-KR" altLang="en-US" dirty="0"/>
+        <p:spPr>
+          <a:xfrm>
+            <a:off x="1045028" y="3017522"/>
+            <a:ext cx="9941319" cy="3124658"/>
+          </a:xfrm>
+        </p:spPr>
+        <p:txBody>
+          <a:bodyPr anchor="ctr">
+            <a:normAutofit/>
+          </a:bodyPr>
+          <a:lstStyle/>
+          <a:p>
+            <a:r>
+              <a:rPr lang="ko-KR" altLang="en-US" sz="2400" dirty="0"/>
               <a:t>상 하 화살표키 </a:t>
             </a:r>
             <a:r>
-              <a:rPr lang="en-US" altLang="ko-KR" dirty="0"/>
+              <a:rPr lang="en-US" altLang="ko-KR" sz="2400" dirty="0"/>
               <a:t>: ↑ ↓</a:t>
             </a:r>
           </a:p>
           <a:p>
-            <a:pPr lvl="1"/>
-            <a:r>
-              <a:rPr lang="ko-KR" altLang="en-US" dirty="0"/>
+            <a:r>
+              <a:rPr lang="ko-KR" altLang="en-US" sz="2400" dirty="0"/>
               <a:t>자동차를 앞 뒤로 움직일 수 있다</a:t>
             </a:r>
             <a:r>
-              <a:rPr lang="en-US" altLang="ko-KR" dirty="0"/>
+              <a:rPr lang="en-US" altLang="ko-KR" sz="2400" dirty="0"/>
               <a:t>.</a:t>
             </a:r>
           </a:p>
           <a:p>
             <a:r>
-              <a:rPr lang="ko-KR" altLang="en-US" dirty="0"/>
+              <a:rPr lang="ko-KR" altLang="en-US" sz="2400" dirty="0"/>
               <a:t>좌 우 화살표키 </a:t>
             </a:r>
             <a:r>
-              <a:rPr lang="en-US" altLang="ko-KR" dirty="0"/>
+              <a:rPr lang="en-US" altLang="ko-KR" sz="2400" dirty="0"/>
               <a:t>: ← →</a:t>
             </a:r>
           </a:p>
           <a:p>
-            <a:pPr lvl="1"/>
-            <a:r>
-              <a:rPr lang="ko-KR" altLang="en-US" dirty="0"/>
+            <a:r>
+              <a:rPr lang="ko-KR" altLang="en-US" sz="2400" dirty="0"/>
               <a:t>자동차를 좌</a:t>
             </a:r>
             <a:r>
-              <a:rPr lang="en-US" altLang="ko-KR" dirty="0"/>
+              <a:rPr lang="en-US" altLang="ko-KR" sz="2400" dirty="0"/>
               <a:t>, </a:t>
             </a:r>
             <a:r>
-              <a:rPr lang="ko-KR" altLang="en-US" dirty="0"/>
+              <a:rPr lang="ko-KR" altLang="en-US" sz="2400" dirty="0"/>
               <a:t>우로 회전시킬 수 있다</a:t>
             </a:r>
             <a:r>
-              <a:rPr lang="en-US" altLang="ko-KR" dirty="0"/>
+              <a:rPr lang="en-US" altLang="ko-KR" sz="2400" dirty="0"/>
               <a:t>.</a:t>
             </a:r>
           </a:p>
@@ -4029,10 +6071,62 @@
             <a:pPr marL="0" indent="0">
               <a:buNone/>
             </a:pPr>
-            <a:endParaRPr lang="en-US" altLang="ko-KR" dirty="0"/>
-          </a:p>
-        </p:txBody>
-      </p:sp>
+            <a:endParaRPr lang="en-US" altLang="ko-KR" sz="2400" dirty="0"/>
+          </a:p>
+        </p:txBody>
+      </p:sp>
+      <p:cxnSp>
+        <p:nvCxnSpPr>
+          <p:cNvPr id="23" name="Straight Connector 22">
+            <a:extLst>
+              <a:ext uri="{FF2B5EF4-FFF2-40B4-BE49-F238E27FC236}">
+                <a16:creationId xmlns:a16="http://schemas.microsoft.com/office/drawing/2014/main" id="{6CF1BAF6-AD41-4082-B212-8A1F9A2E8779}"/>
+              </a:ext>
+              <a:ext uri="{C183D7F6-B498-43B3-948B-1728B52AA6E4}">
+                <adec:decorative xmlns:adec="http://schemas.microsoft.com/office/drawing/2017/decorative" val="1"/>
+              </a:ext>
+            </a:extLst>
+          </p:cNvPr>
+          <p:cNvCxnSpPr>
+            <a:cxnSpLocks noGrp="1" noRot="1" noChangeAspect="1" noMove="1" noResize="1" noEditPoints="1" noAdjustHandles="1" noChangeArrowheads="1" noChangeShapeType="1"/>
+          </p:cNvCxnSpPr>
+          <p:nvPr>
+            <p:extLst>
+              <p:ext uri="{386F3935-93C4-4BCD-93E2-E3B085C9AB24}">
+                <p16:designElem xmlns:p16="http://schemas.microsoft.com/office/powerpoint/2015/main" val="1"/>
+              </p:ext>
+            </p:extLst>
+          </p:nvPr>
+        </p:nvCxnSpPr>
+        <p:spPr>
+          <a:xfrm flipH="1">
+            <a:off x="838200" y="6485313"/>
+            <a:ext cx="10515600" cy="0"/>
+          </a:xfrm>
+          <a:prstGeom prst="line">
+            <a:avLst/>
+          </a:prstGeom>
+          <a:ln w="57150">
+            <a:solidFill>
+              <a:schemeClr val="accent4"/>
+            </a:solidFill>
+          </a:ln>
+        </p:spPr>
+        <p:style>
+          <a:lnRef idx="1">
+            <a:schemeClr val="accent1"/>
+          </a:lnRef>
+          <a:fillRef idx="0">
+            <a:schemeClr val="accent1"/>
+          </a:fillRef>
+          <a:effectRef idx="0">
+            <a:schemeClr val="accent1"/>
+          </a:effectRef>
+          <a:fontRef idx="minor">
+            <a:schemeClr val="tx1"/>
+          </a:fontRef>
+        </p:style>
+      </p:cxnSp>
     </p:spTree>
     <p:extLst>
       <p:ext uri="{BB962C8B-B14F-4D97-AF65-F5344CB8AC3E}">
@@ -4049,15 +6143,17 @@
 <file path=ppt/slides/slide6.xml><?xml version="1.0" encoding="utf-8"?>
 <p:sld xmlns:a="http://schemas.openxmlformats.org/drawingml/2006/main" xmlns:r="http://schemas.openxmlformats.org/officeDocument/2006/relationships" xmlns:p="http://schemas.openxmlformats.org/presentationml/2006/main">
   <p:cSld>
+    <p:bg>
+      <p:bgPr>
+        <a:solidFill>
+          <a:schemeClr val="bg1"/>
+        </a:solidFill>
+        <a:effectLst/>
+      </p:bgPr>
+    </p:bg>
     <p:spTree>
       <p:nvGrpSpPr>
-        <p:cNvPr id="1" name="">
-          <a:extLst>
-            <a:ext uri="{FF2B5EF4-FFF2-40B4-BE49-F238E27FC236}">
-              <a16:creationId xmlns:a16="http://schemas.microsoft.com/office/drawing/2014/main" id="{F7225DAE-6435-CE5B-5686-1495857E0085}"/>
-            </a:ext>
-          </a:extLst>
-        </p:cNvPr>
+        <p:cNvPr id="1" name=""/>
         <p:cNvGrpSpPr/>
         <p:nvPr/>
       </p:nvGrpSpPr>
@@ -4069,12 +6165,406 @@
           <a:chExt cx="0" cy="0"/>
         </a:xfrm>
       </p:grpSpPr>
-      <p:sp>
-        <p:nvSpPr>
-          <p:cNvPr id="8" name="제목 7">
-            <a:extLst>
-              <a:ext uri="{FF2B5EF4-FFF2-40B4-BE49-F238E27FC236}">
-                <a16:creationId xmlns:a16="http://schemas.microsoft.com/office/drawing/2014/main" id="{F42943D8-23EB-CD7F-AAAD-EB8930D1A93E}"/>
+      <p:sp useBgFill="1">
+        <p:nvSpPr>
+          <p:cNvPr id="8" name="Rectangle 7">
+            <a:extLst>
+              <a:ext uri="{FF2B5EF4-FFF2-40B4-BE49-F238E27FC236}">
+                <a16:creationId xmlns:a16="http://schemas.microsoft.com/office/drawing/2014/main" id="{B6CDA21F-E7AF-4C75-8395-33F58D5B0E45}"/>
+              </a:ext>
+              <a:ext uri="{C183D7F6-B498-43B3-948B-1728B52AA6E4}">
+                <adec:decorative xmlns:adec="http://schemas.microsoft.com/office/drawing/2017/decorative" val="1"/>
+              </a:ext>
+            </a:extLst>
+          </p:cNvPr>
+          <p:cNvSpPr>
+            <a:spLocks noGrp="1" noRot="1" noChangeAspect="1" noMove="1" noResize="1" noEditPoints="1" noAdjustHandles="1" noChangeArrowheads="1" noChangeShapeType="1" noTextEdit="1"/>
+          </p:cNvSpPr>
+          <p:nvPr>
+            <p:extLst>
+              <p:ext uri="{386F3935-93C4-4BCD-93E2-E3B085C9AB24}">
+                <p16:designElem xmlns:p16="http://schemas.microsoft.com/office/powerpoint/2015/main" val="1"/>
+              </p:ext>
+            </p:extLst>
+          </p:nvPr>
+        </p:nvSpPr>
+        <p:spPr>
+          <a:xfrm>
+            <a:off x="0" y="0"/>
+            <a:ext cx="12191999" cy="6857365"/>
+          </a:xfrm>
+          <a:prstGeom prst="rect">
+            <a:avLst/>
+          </a:prstGeom>
+          <a:ln>
+            <a:noFill/>
+          </a:ln>
+        </p:spPr>
+        <p:style>
+          <a:lnRef idx="2">
+            <a:schemeClr val="accent1">
+              <a:shade val="50000"/>
+            </a:schemeClr>
+          </a:lnRef>
+          <a:fillRef idx="1">
+            <a:schemeClr val="accent1"/>
+          </a:fillRef>
+          <a:effectRef idx="0">
+            <a:schemeClr val="accent1"/>
+          </a:effectRef>
+          <a:fontRef idx="minor">
+            <a:schemeClr val="lt1"/>
+          </a:fontRef>
+        </p:style>
+        <p:txBody>
+          <a:bodyPr rtlCol="0" anchor="ctr"/>
+          <a:lstStyle/>
+          <a:p>
+            <a:pPr algn="ctr"/>
+            <a:endParaRPr lang="en-US"/>
+          </a:p>
+        </p:txBody>
+      </p:sp>
+      <p:grpSp>
+        <p:nvGrpSpPr>
+          <p:cNvPr id="10" name="Group 9">
+            <a:extLst>
+              <a:ext uri="{FF2B5EF4-FFF2-40B4-BE49-F238E27FC236}">
+                <a16:creationId xmlns:a16="http://schemas.microsoft.com/office/drawing/2014/main" id="{AE1C45F0-260A-458C-96ED-C1F6D2151219}"/>
+              </a:ext>
+              <a:ext uri="{C183D7F6-B498-43B3-948B-1728B52AA6E4}">
+                <adec:decorative xmlns:adec="http://schemas.microsoft.com/office/drawing/2017/decorative" val="1"/>
+              </a:ext>
+            </a:extLst>
+          </p:cNvPr>
+          <p:cNvGrpSpPr>
+            <a:grpSpLocks noGrp="1" noUngrp="1" noRot="1" noChangeAspect="1" noMove="1" noResize="1"/>
+          </p:cNvGrpSpPr>
+          <p:nvPr>
+            <p:extLst>
+              <p:ext uri="{386F3935-93C4-4BCD-93E2-E3B085C9AB24}">
+                <p16:designElem xmlns:p16="http://schemas.microsoft.com/office/powerpoint/2015/main" val="1"/>
+              </p:ext>
+            </p:extLst>
+          </p:nvPr>
+        </p:nvGrpSpPr>
+        <p:grpSpPr>
+          <a:xfrm>
+            <a:off x="4" y="1216597"/>
+            <a:ext cx="731521" cy="673460"/>
+            <a:chOff x="3940602" y="308034"/>
+            <a:chExt cx="2116791" cy="3428999"/>
+          </a:xfrm>
+          <a:solidFill>
+            <a:schemeClr val="accent4"/>
+          </a:solidFill>
+        </p:grpSpPr>
+        <p:sp>
+          <p:nvSpPr>
+            <p:cNvPr id="11" name="Rectangle 10">
+              <a:extLst>
+                <a:ext uri="{FF2B5EF4-FFF2-40B4-BE49-F238E27FC236}">
+                  <a16:creationId xmlns:a16="http://schemas.microsoft.com/office/drawing/2014/main" id="{A6604B49-AD5C-4590-B051-06C8222ECD99}"/>
+                </a:ext>
+                <a:ext uri="{C183D7F6-B498-43B3-948B-1728B52AA6E4}">
+                  <adec:decorative xmlns:adec="http://schemas.microsoft.com/office/drawing/2017/decorative" val="1"/>
+                </a:ext>
+              </a:extLst>
+            </p:cNvPr>
+            <p:cNvSpPr/>
+            <p:nvPr>
+              <p:extLst>
+                <p:ext uri="{386F3935-93C4-4BCD-93E2-E3B085C9AB24}">
+                  <p16:designElem xmlns:p16="http://schemas.microsoft.com/office/powerpoint/2015/main" val="1"/>
+                </p:ext>
+              </p:extLst>
+            </p:nvPr>
+          </p:nvSpPr>
+          <p:spPr>
+            <a:xfrm>
+              <a:off x="3940602" y="308034"/>
+              <a:ext cx="566743" cy="3428999"/>
+            </a:xfrm>
+            <a:prstGeom prst="rect">
+              <a:avLst/>
+            </a:prstGeom>
+            <a:grpFill/>
+            <a:ln>
+              <a:noFill/>
+            </a:ln>
+          </p:spPr>
+          <p:style>
+            <a:lnRef idx="2">
+              <a:schemeClr val="accent1">
+                <a:shade val="50000"/>
+              </a:schemeClr>
+            </a:lnRef>
+            <a:fillRef idx="1">
+              <a:schemeClr val="accent1"/>
+            </a:fillRef>
+            <a:effectRef idx="0">
+              <a:schemeClr val="accent1"/>
+            </a:effectRef>
+            <a:fontRef idx="minor">
+              <a:schemeClr val="lt1"/>
+            </a:fontRef>
+          </p:style>
+          <p:txBody>
+            <a:bodyPr rtlCol="0" anchor="ctr"/>
+            <a:lstStyle/>
+            <a:p>
+              <a:pPr algn="ctr"/>
+              <a:endParaRPr lang="en-US"/>
+            </a:p>
+          </p:txBody>
+        </p:sp>
+        <p:sp>
+          <p:nvSpPr>
+            <p:cNvPr id="12" name="Rectangle 11">
+              <a:extLst>
+                <a:ext uri="{FF2B5EF4-FFF2-40B4-BE49-F238E27FC236}">
+                  <a16:creationId xmlns:a16="http://schemas.microsoft.com/office/drawing/2014/main" id="{743ECCAF-29C5-4537-947C-7EA1292463DB}"/>
+                </a:ext>
+                <a:ext uri="{C183D7F6-B498-43B3-948B-1728B52AA6E4}">
+                  <adec:decorative xmlns:adec="http://schemas.microsoft.com/office/drawing/2017/decorative" val="1"/>
+                </a:ext>
+              </a:extLst>
+            </p:cNvPr>
+            <p:cNvSpPr/>
+            <p:nvPr>
+              <p:extLst>
+                <p:ext uri="{386F3935-93C4-4BCD-93E2-E3B085C9AB24}">
+                  <p16:designElem xmlns:p16="http://schemas.microsoft.com/office/powerpoint/2015/main" val="1"/>
+                </p:ext>
+              </p:extLst>
+            </p:nvPr>
+          </p:nvSpPr>
+          <p:spPr>
+            <a:xfrm>
+              <a:off x="4715626" y="308034"/>
+              <a:ext cx="566743" cy="3428999"/>
+            </a:xfrm>
+            <a:prstGeom prst="rect">
+              <a:avLst/>
+            </a:prstGeom>
+            <a:grpFill/>
+            <a:ln>
+              <a:noFill/>
+            </a:ln>
+          </p:spPr>
+          <p:style>
+            <a:lnRef idx="2">
+              <a:schemeClr val="accent1">
+                <a:shade val="50000"/>
+              </a:schemeClr>
+            </a:lnRef>
+            <a:fillRef idx="1">
+              <a:schemeClr val="accent1"/>
+            </a:fillRef>
+            <a:effectRef idx="0">
+              <a:schemeClr val="accent1"/>
+            </a:effectRef>
+            <a:fontRef idx="minor">
+              <a:schemeClr val="lt1"/>
+            </a:fontRef>
+          </p:style>
+          <p:txBody>
+            <a:bodyPr rtlCol="0" anchor="ctr"/>
+            <a:lstStyle/>
+            <a:p>
+              <a:pPr algn="ctr"/>
+              <a:endParaRPr lang="en-US"/>
+            </a:p>
+          </p:txBody>
+        </p:sp>
+        <p:sp>
+          <p:nvSpPr>
+            <p:cNvPr id="13" name="Rectangle 12">
+              <a:extLst>
+                <a:ext uri="{FF2B5EF4-FFF2-40B4-BE49-F238E27FC236}">
+                  <a16:creationId xmlns:a16="http://schemas.microsoft.com/office/drawing/2014/main" id="{ED49787B-8DE6-4467-AD0A-8DECC6E0C2D6}"/>
+                </a:ext>
+                <a:ext uri="{C183D7F6-B498-43B3-948B-1728B52AA6E4}">
+                  <adec:decorative xmlns:adec="http://schemas.microsoft.com/office/drawing/2017/decorative" val="1"/>
+                </a:ext>
+              </a:extLst>
+            </p:cNvPr>
+            <p:cNvSpPr/>
+            <p:nvPr>
+              <p:extLst>
+                <p:ext uri="{386F3935-93C4-4BCD-93E2-E3B085C9AB24}">
+                  <p16:designElem xmlns:p16="http://schemas.microsoft.com/office/powerpoint/2015/main" val="1"/>
+                </p:ext>
+              </p:extLst>
+            </p:nvPr>
+          </p:nvSpPr>
+          <p:spPr>
+            <a:xfrm>
+              <a:off x="5490650" y="308034"/>
+              <a:ext cx="566743" cy="3428999"/>
+            </a:xfrm>
+            <a:prstGeom prst="rect">
+              <a:avLst/>
+            </a:prstGeom>
+            <a:grpFill/>
+            <a:ln>
+              <a:noFill/>
+            </a:ln>
+          </p:spPr>
+          <p:style>
+            <a:lnRef idx="2">
+              <a:schemeClr val="accent1">
+                <a:shade val="50000"/>
+              </a:schemeClr>
+            </a:lnRef>
+            <a:fillRef idx="1">
+              <a:schemeClr val="accent1"/>
+            </a:fillRef>
+            <a:effectRef idx="0">
+              <a:schemeClr val="accent1"/>
+            </a:effectRef>
+            <a:fontRef idx="minor">
+              <a:schemeClr val="lt1"/>
+            </a:fontRef>
+          </p:style>
+          <p:txBody>
+            <a:bodyPr rtlCol="0" anchor="ctr"/>
+            <a:lstStyle/>
+            <a:p>
+              <a:pPr algn="ctr"/>
+              <a:endParaRPr lang="en-US"/>
+            </a:p>
+          </p:txBody>
+        </p:sp>
+      </p:grpSp>
+      <p:sp>
+        <p:nvSpPr>
+          <p:cNvPr id="15" name="Rectangle 14">
+            <a:extLst>
+              <a:ext uri="{FF2B5EF4-FFF2-40B4-BE49-F238E27FC236}">
+                <a16:creationId xmlns:a16="http://schemas.microsoft.com/office/drawing/2014/main" id="{D5B0017B-2ECA-49AF-B397-DC140825DF8D}"/>
+              </a:ext>
+              <a:ext uri="{C183D7F6-B498-43B3-948B-1728B52AA6E4}">
+                <adec:decorative xmlns:adec="http://schemas.microsoft.com/office/drawing/2017/decorative" val="1"/>
+              </a:ext>
+            </a:extLst>
+          </p:cNvPr>
+          <p:cNvSpPr>
+            <a:spLocks noGrp="1" noRot="1" noChangeAspect="1" noMove="1" noResize="1" noEditPoints="1" noAdjustHandles="1" noChangeArrowheads="1" noChangeShapeType="1" noTextEdit="1"/>
+          </p:cNvSpPr>
+          <p:nvPr>
+            <p:extLst>
+              <p:ext uri="{386F3935-93C4-4BCD-93E2-E3B085C9AB24}">
+                <p16:designElem xmlns:p16="http://schemas.microsoft.com/office/powerpoint/2015/main" val="1"/>
+              </p:ext>
+            </p:extLst>
+          </p:nvPr>
+        </p:nvSpPr>
+        <p:spPr>
+          <a:xfrm>
+            <a:off x="640079" y="613954"/>
+            <a:ext cx="10907487" cy="1894116"/>
+          </a:xfrm>
+          <a:prstGeom prst="rect">
+            <a:avLst/>
+          </a:prstGeom>
+          <a:solidFill>
+            <a:schemeClr val="bg1"/>
+          </a:solidFill>
+          <a:ln>
+            <a:noFill/>
+          </a:ln>
+          <a:effectLst>
+            <a:outerShdw blurRad="139700" dist="127000" dir="5400000" algn="t" rotWithShape="0">
+              <a:prstClr val="black">
+                <a:alpha val="15000"/>
+              </a:prstClr>
+            </a:outerShdw>
+          </a:effectLst>
+        </p:spPr>
+        <p:style>
+          <a:lnRef idx="2">
+            <a:schemeClr val="accent1">
+              <a:shade val="50000"/>
+            </a:schemeClr>
+          </a:lnRef>
+          <a:fillRef idx="1">
+            <a:schemeClr val="accent1"/>
+          </a:fillRef>
+          <a:effectRef idx="0">
+            <a:schemeClr val="accent1"/>
+          </a:effectRef>
+          <a:fontRef idx="minor">
+            <a:schemeClr val="lt1"/>
+          </a:fontRef>
+        </p:style>
+        <p:txBody>
+          <a:bodyPr rtlCol="0" anchor="ctr"/>
+          <a:lstStyle/>
+          <a:p>
+            <a:pPr algn="ctr"/>
+            <a:endParaRPr lang="en-US"/>
+          </a:p>
+        </p:txBody>
+      </p:sp>
+      <p:cxnSp>
+        <p:nvCxnSpPr>
+          <p:cNvPr id="17" name="Straight Connector 16">
+            <a:extLst>
+              <a:ext uri="{FF2B5EF4-FFF2-40B4-BE49-F238E27FC236}">
+                <a16:creationId xmlns:a16="http://schemas.microsoft.com/office/drawing/2014/main" id="{6CF1BAF6-AD41-4082-B212-8A1F9A2E8779}"/>
+              </a:ext>
+              <a:ext uri="{C183D7F6-B498-43B3-948B-1728B52AA6E4}">
+                <adec:decorative xmlns:adec="http://schemas.microsoft.com/office/drawing/2017/decorative" val="1"/>
+              </a:ext>
+            </a:extLst>
+          </p:cNvPr>
+          <p:cNvCxnSpPr>
+            <a:cxnSpLocks noGrp="1" noRot="1" noChangeAspect="1" noMove="1" noResize="1" noEditPoints="1" noAdjustHandles="1" noChangeArrowheads="1" noChangeShapeType="1"/>
+          </p:cNvCxnSpPr>
+          <p:nvPr>
+            <p:extLst>
+              <p:ext uri="{386F3935-93C4-4BCD-93E2-E3B085C9AB24}">
+                <p16:designElem xmlns:p16="http://schemas.microsoft.com/office/powerpoint/2015/main" val="1"/>
+              </p:ext>
+            </p:extLst>
+          </p:nvPr>
+        </p:nvCxnSpPr>
+        <p:spPr>
+          <a:xfrm flipH="1">
+            <a:off x="838200" y="6485313"/>
+            <a:ext cx="10515600" cy="0"/>
+          </a:xfrm>
+          <a:prstGeom prst="line">
+            <a:avLst/>
+          </a:prstGeom>
+          <a:ln w="57150">
+            <a:solidFill>
+              <a:schemeClr val="accent4"/>
+            </a:solidFill>
+          </a:ln>
+        </p:spPr>
+        <p:style>
+          <a:lnRef idx="1">
+            <a:schemeClr val="accent1"/>
+          </a:lnRef>
+          <a:fillRef idx="0">
+            <a:schemeClr val="accent1"/>
+          </a:fillRef>
+          <a:effectRef idx="0">
+            <a:schemeClr val="accent1"/>
+          </a:effectRef>
+          <a:fontRef idx="minor">
+            <a:schemeClr val="tx1"/>
+          </a:fontRef>
+        </p:style>
+      </p:cxnSp>
+      <p:sp>
+        <p:nvSpPr>
+          <p:cNvPr id="4" name="제목 7">
+            <a:extLst>
+              <a:ext uri="{FF2B5EF4-FFF2-40B4-BE49-F238E27FC236}">
+                <a16:creationId xmlns:a16="http://schemas.microsoft.com/office/drawing/2014/main" id="{63E99E82-FB76-1702-7F45-01347E654446}"/>
               </a:ext>
             </a:extLst>
           </p:cNvPr>
@@ -4085,13 +6575,18 @@
             <p:ph type="title"/>
           </p:nvPr>
         </p:nvSpPr>
-        <p:spPr/>
+        <p:spPr>
+          <a:xfrm>
+            <a:off x="803503" y="932742"/>
+            <a:ext cx="10515600" cy="1325563"/>
+          </a:xfrm>
+        </p:spPr>
         <p:txBody>
           <a:bodyPr/>
           <a:lstStyle/>
           <a:p>
             <a:r>
-              <a:rPr lang="ko-KR" altLang="en-US" dirty="0"/>
+              <a:rPr lang="ko-KR" altLang="en-US" b="1" dirty="0"/>
               <a:t>맵</a:t>
             </a:r>
           </a:p>
@@ -4099,10 +6594,10 @@
       </p:sp>
       <p:pic>
         <p:nvPicPr>
-          <p:cNvPr id="3" name="그림 2">
-            <a:extLst>
-              <a:ext uri="{FF2B5EF4-FFF2-40B4-BE49-F238E27FC236}">
-                <a16:creationId xmlns:a16="http://schemas.microsoft.com/office/drawing/2014/main" id="{8FD65C71-2502-D768-1AAD-5C1BFAADD9D6}"/>
+          <p:cNvPr id="5" name="그림 4">
+            <a:extLst>
+              <a:ext uri="{FF2B5EF4-FFF2-40B4-BE49-F238E27FC236}">
+                <a16:creationId xmlns:a16="http://schemas.microsoft.com/office/drawing/2014/main" id="{483E5BC1-501D-4FA2-DE07-CA78430B4AFC}"/>
               </a:ext>
             </a:extLst>
           </p:cNvPr>
@@ -4119,7 +6614,7 @@
         </p:blipFill>
         <p:spPr>
           <a:xfrm>
-            <a:off x="6740237" y="1983361"/>
+            <a:off x="6705540" y="2550978"/>
             <a:ext cx="4504488" cy="3549076"/>
           </a:xfrm>
           <a:prstGeom prst="rect">
@@ -4129,10 +6624,10 @@
       </p:pic>
       <p:pic>
         <p:nvPicPr>
-          <p:cNvPr id="5" name="그림 4">
-            <a:extLst>
-              <a:ext uri="{FF2B5EF4-FFF2-40B4-BE49-F238E27FC236}">
-                <a16:creationId xmlns:a16="http://schemas.microsoft.com/office/drawing/2014/main" id="{4B28B665-92B7-FD5D-E634-D086DFC91218}"/>
+          <p:cNvPr id="6" name="그림 5">
+            <a:extLst>
+              <a:ext uri="{FF2B5EF4-FFF2-40B4-BE49-F238E27FC236}">
+                <a16:creationId xmlns:a16="http://schemas.microsoft.com/office/drawing/2014/main" id="{0B97AF88-1951-F54E-FC13-DCBFF584A5B7}"/>
               </a:ext>
             </a:extLst>
           </p:cNvPr>
@@ -4149,7 +6644,7 @@
         </p:blipFill>
         <p:spPr>
           <a:xfrm>
-            <a:off x="1171540" y="1983361"/>
+            <a:off x="1136843" y="2530658"/>
             <a:ext cx="4569398" cy="3613875"/>
           </a:xfrm>
           <a:prstGeom prst="rect">
@@ -4159,10 +6654,10 @@
       </p:pic>
       <p:sp>
         <p:nvSpPr>
-          <p:cNvPr id="6" name="TextBox 5">
-            <a:extLst>
-              <a:ext uri="{FF2B5EF4-FFF2-40B4-BE49-F238E27FC236}">
-                <a16:creationId xmlns:a16="http://schemas.microsoft.com/office/drawing/2014/main" id="{E469014E-429A-7637-E4C2-F090AD33F699}"/>
+          <p:cNvPr id="7" name="TextBox 6">
+            <a:extLst>
+              <a:ext uri="{FF2B5EF4-FFF2-40B4-BE49-F238E27FC236}">
+                <a16:creationId xmlns:a16="http://schemas.microsoft.com/office/drawing/2014/main" id="{210E2AAA-A1F3-F015-BFBB-17277D03C987}"/>
               </a:ext>
             </a:extLst>
           </p:cNvPr>
@@ -4171,7 +6666,7 @@
         </p:nvSpPr>
         <p:spPr>
           <a:xfrm>
-            <a:off x="1738746" y="5798128"/>
+            <a:off x="1704049" y="6121905"/>
             <a:ext cx="862737" cy="369332"/>
           </a:xfrm>
           <a:prstGeom prst="rect">
@@ -4195,10 +6690,10 @@
       </p:sp>
       <p:sp>
         <p:nvSpPr>
-          <p:cNvPr id="7" name="TextBox 6">
-            <a:extLst>
-              <a:ext uri="{FF2B5EF4-FFF2-40B4-BE49-F238E27FC236}">
-                <a16:creationId xmlns:a16="http://schemas.microsoft.com/office/drawing/2014/main" id="{AE28096F-B376-980B-1737-99BBF736F579}"/>
+          <p:cNvPr id="9" name="TextBox 8">
+            <a:extLst>
+              <a:ext uri="{FF2B5EF4-FFF2-40B4-BE49-F238E27FC236}">
+                <a16:creationId xmlns:a16="http://schemas.microsoft.com/office/drawing/2014/main" id="{F94231F7-8283-2136-A96B-361D00ECC2F6}"/>
               </a:ext>
             </a:extLst>
           </p:cNvPr>
@@ -4207,7 +6702,7 @@
         </p:nvSpPr>
         <p:spPr>
           <a:xfrm>
-            <a:off x="7342910" y="5798128"/>
+            <a:off x="7308213" y="6091425"/>
             <a:ext cx="862737" cy="369332"/>
           </a:xfrm>
           <a:prstGeom prst="rect">
@@ -4232,7 +6727,7 @@
     </p:spTree>
     <p:extLst>
       <p:ext uri="{BB962C8B-B14F-4D97-AF65-F5344CB8AC3E}">
-        <p14:creationId xmlns:p14="http://schemas.microsoft.com/office/powerpoint/2010/main" val="560662725"/>
+        <p14:creationId xmlns:p14="http://schemas.microsoft.com/office/powerpoint/2010/main" val="1187807558"/>
       </p:ext>
     </p:extLst>
   </p:cSld>
